--- a/psz/PracticalRefactoring.pptx
+++ b/psz/PracticalRefactoring.pptx
@@ -5,24 +5,31 @@
     <p:sldMasterId id="2147483648" r:id="rId1"/>
   </p:sldMasterIdLst>
   <p:notesMasterIdLst>
-    <p:notesMasterId r:id="rId17"/>
+    <p:notesMasterId r:id="rId24"/>
   </p:notesMasterIdLst>
   <p:sldIdLst>
     <p:sldId id="265" r:id="rId2"/>
-    <p:sldId id="266" r:id="rId3"/>
-    <p:sldId id="267" r:id="rId4"/>
-    <p:sldId id="268" r:id="rId5"/>
-    <p:sldId id="269" r:id="rId6"/>
-    <p:sldId id="270" r:id="rId7"/>
-    <p:sldId id="256" r:id="rId8"/>
-    <p:sldId id="257" r:id="rId9"/>
-    <p:sldId id="259" r:id="rId10"/>
-    <p:sldId id="260" r:id="rId11"/>
-    <p:sldId id="261" r:id="rId12"/>
-    <p:sldId id="264" r:id="rId13"/>
-    <p:sldId id="258" r:id="rId14"/>
-    <p:sldId id="263" r:id="rId15"/>
-    <p:sldId id="262" r:id="rId16"/>
+    <p:sldId id="272" r:id="rId3"/>
+    <p:sldId id="266" r:id="rId4"/>
+    <p:sldId id="273" r:id="rId5"/>
+    <p:sldId id="274" r:id="rId6"/>
+    <p:sldId id="267" r:id="rId7"/>
+    <p:sldId id="277" r:id="rId8"/>
+    <p:sldId id="268" r:id="rId9"/>
+    <p:sldId id="275" r:id="rId10"/>
+    <p:sldId id="269" r:id="rId11"/>
+    <p:sldId id="270" r:id="rId12"/>
+    <p:sldId id="276" r:id="rId13"/>
+    <p:sldId id="256" r:id="rId14"/>
+    <p:sldId id="257" r:id="rId15"/>
+    <p:sldId id="259" r:id="rId16"/>
+    <p:sldId id="260" r:id="rId17"/>
+    <p:sldId id="261" r:id="rId18"/>
+    <p:sldId id="264" r:id="rId19"/>
+    <p:sldId id="258" r:id="rId20"/>
+    <p:sldId id="263" r:id="rId21"/>
+    <p:sldId id="262" r:id="rId22"/>
+    <p:sldId id="271" r:id="rId23"/>
   </p:sldIdLst>
   <p:sldSz cx="12192000" cy="6858000"/>
   <p:notesSz cx="6858000" cy="9144000"/>
@@ -214,7 +221,7 @@
           <a:p>
             <a:fld id="{B0A5C299-FE50-42DD-A2AC-4285A1871B59}" type="datetimeFigureOut">
               <a:rPr lang="en-US" smtClean="0"/>
-              <a:t>2/6/2020</a:t>
+              <a:t>4/12/2020</a:t>
             </a:fld>
             <a:endParaRPr lang="en-US"/>
           </a:p>
@@ -555,7 +562,91 @@
     </p:spTree>
     <p:extLst>
       <p:ext uri="{BB962C8B-B14F-4D97-AF65-F5344CB8AC3E}">
-        <p14:creationId xmlns:p14="http://schemas.microsoft.com/office/powerpoint/2010/main" val="2111626503"/>
+        <p14:creationId xmlns:p14="http://schemas.microsoft.com/office/powerpoint/2010/main" val="1375197389"/>
+      </p:ext>
+    </p:extLst>
+  </p:cSld>
+  <p:clrMapOvr>
+    <a:masterClrMapping/>
+  </p:clrMapOvr>
+</p:notes>
+</file>
+
+<file path=ppt/notesSlides/notesSlide10.xml><?xml version="1.0" encoding="utf-8"?>
+<p:notes xmlns:a="http://schemas.openxmlformats.org/drawingml/2006/main" xmlns:r="http://schemas.openxmlformats.org/officeDocument/2006/relationships" xmlns:p="http://schemas.openxmlformats.org/presentationml/2006/main">
+  <p:cSld>
+    <p:spTree>
+      <p:nvGrpSpPr>
+        <p:cNvPr id="1" name=""/>
+        <p:cNvGrpSpPr/>
+        <p:nvPr/>
+      </p:nvGrpSpPr>
+      <p:grpSpPr>
+        <a:xfrm>
+          <a:off x="0" y="0"/>
+          <a:ext cx="0" cy="0"/>
+          <a:chOff x="0" y="0"/>
+          <a:chExt cx="0" cy="0"/>
+        </a:xfrm>
+      </p:grpSpPr>
+      <p:sp>
+        <p:nvSpPr>
+          <p:cNvPr id="2" name="Slide Image Placeholder 1"/>
+          <p:cNvSpPr>
+            <a:spLocks noGrp="1" noRot="1" noChangeAspect="1"/>
+          </p:cNvSpPr>
+          <p:nvPr>
+            <p:ph type="sldImg"/>
+          </p:nvPr>
+        </p:nvSpPr>
+        <p:spPr/>
+      </p:sp>
+      <p:sp>
+        <p:nvSpPr>
+          <p:cNvPr id="3" name="Notes Placeholder 2"/>
+          <p:cNvSpPr>
+            <a:spLocks noGrp="1"/>
+          </p:cNvSpPr>
+          <p:nvPr>
+            <p:ph type="body" idx="1"/>
+          </p:nvPr>
+        </p:nvSpPr>
+        <p:spPr/>
+        <p:txBody>
+          <a:bodyPr/>
+          <a:lstStyle/>
+          <a:p>
+            <a:endParaRPr lang="en-US" dirty="0"/>
+          </a:p>
+        </p:txBody>
+      </p:sp>
+      <p:sp>
+        <p:nvSpPr>
+          <p:cNvPr id="4" name="Slide Number Placeholder 3"/>
+          <p:cNvSpPr>
+            <a:spLocks noGrp="1"/>
+          </p:cNvSpPr>
+          <p:nvPr>
+            <p:ph type="sldNum" sz="quarter" idx="5"/>
+          </p:nvPr>
+        </p:nvSpPr>
+        <p:spPr/>
+        <p:txBody>
+          <a:bodyPr/>
+          <a:lstStyle/>
+          <a:p>
+            <a:fld id="{98E7458D-A4C5-47E1-AED0-92A55BE669C0}" type="slidenum">
+              <a:rPr lang="en-US" smtClean="0"/>
+              <a:t>21</a:t>
+            </a:fld>
+            <a:endParaRPr lang="en-US"/>
+          </a:p>
+        </p:txBody>
+      </p:sp>
+    </p:spTree>
+    <p:extLst>
+      <p:ext uri="{BB962C8B-B14F-4D97-AF65-F5344CB8AC3E}">
+        <p14:creationId xmlns:p14="http://schemas.microsoft.com/office/powerpoint/2010/main" val="3152304061"/>
       </p:ext>
     </p:extLst>
   </p:cSld>
@@ -630,7 +721,7 @@
           <a:p>
             <a:fld id="{98E7458D-A4C5-47E1-AED0-92A55BE669C0}" type="slidenum">
               <a:rPr lang="en-US" smtClean="0"/>
-              <a:t>5</a:t>
+              <a:t>8</a:t>
             </a:fld>
             <a:endParaRPr lang="en-US"/>
           </a:p>
@@ -639,7 +730,7 @@
     </p:spTree>
     <p:extLst>
       <p:ext uri="{BB962C8B-B14F-4D97-AF65-F5344CB8AC3E}">
-        <p14:creationId xmlns:p14="http://schemas.microsoft.com/office/powerpoint/2010/main" val="612091742"/>
+        <p14:creationId xmlns:p14="http://schemas.microsoft.com/office/powerpoint/2010/main" val="2111626503"/>
       </p:ext>
     </p:extLst>
   </p:cSld>
@@ -714,7 +805,7 @@
           <a:p>
             <a:fld id="{98E7458D-A4C5-47E1-AED0-92A55BE669C0}" type="slidenum">
               <a:rPr lang="en-US" smtClean="0"/>
-              <a:t>6</a:t>
+              <a:t>10</a:t>
             </a:fld>
             <a:endParaRPr lang="en-US"/>
           </a:p>
@@ -723,7 +814,7 @@
     </p:spTree>
     <p:extLst>
       <p:ext uri="{BB962C8B-B14F-4D97-AF65-F5344CB8AC3E}">
-        <p14:creationId xmlns:p14="http://schemas.microsoft.com/office/powerpoint/2010/main" val="2981674733"/>
+        <p14:creationId xmlns:p14="http://schemas.microsoft.com/office/powerpoint/2010/main" val="612091742"/>
       </p:ext>
     </p:extLst>
   </p:cSld>
@@ -777,85 +868,7 @@
           <a:bodyPr/>
           <a:lstStyle/>
           <a:p>
-            <a:r>
-              <a:rPr lang="en-US" sz="1200" b="0" kern="1200" dirty="0">
-                <a:solidFill>
-                  <a:schemeClr val="tx1"/>
-                </a:solidFill>
-                <a:effectLst/>
-                <a:latin typeface="+mn-lt"/>
-                <a:ea typeface="+mn-ea"/>
-                <a:cs typeface="+mn-cs"/>
-              </a:rPr>
-              <a:t>    - Easier to read, harder to misread</a:t>
-            </a:r>
-          </a:p>
-          <a:p>
-            <a:r>
-              <a:rPr lang="en-US" sz="1200" b="0" kern="1200" dirty="0">
-                <a:solidFill>
-                  <a:schemeClr val="tx1"/>
-                </a:solidFill>
-                <a:effectLst/>
-                <a:latin typeface="+mn-lt"/>
-                <a:ea typeface="+mn-ea"/>
-                <a:cs typeface="+mn-cs"/>
-              </a:rPr>
-              <a:t>    - Easier to enhance</a:t>
-            </a:r>
-          </a:p>
-          <a:p>
-            <a:r>
-              <a:rPr lang="en-US" sz="1200" b="0" kern="1200" dirty="0">
-                <a:solidFill>
-                  <a:schemeClr val="tx1"/>
-                </a:solidFill>
-                <a:effectLst/>
-                <a:latin typeface="+mn-lt"/>
-                <a:ea typeface="+mn-ea"/>
-                <a:cs typeface="+mn-cs"/>
-              </a:rPr>
-              <a:t>    - Easier to find further opportunities for further or broader refactoring</a:t>
-            </a:r>
-          </a:p>
-          <a:p>
-            <a:endParaRPr lang="en-US" sz="1200" b="0" kern="1200" dirty="0">
-              <a:solidFill>
-                <a:schemeClr val="tx1"/>
-              </a:solidFill>
-              <a:effectLst/>
-              <a:latin typeface="+mn-lt"/>
-              <a:ea typeface="+mn-ea"/>
-              <a:cs typeface="+mn-cs"/>
-            </a:endParaRPr>
-          </a:p>
-          <a:p>
-            <a:r>
-              <a:rPr lang="en-US" sz="1200" b="0" kern="1200" dirty="0">
-                <a:solidFill>
-                  <a:schemeClr val="tx1"/>
-                </a:solidFill>
-                <a:effectLst/>
-                <a:latin typeface="+mn-lt"/>
-                <a:ea typeface="+mn-ea"/>
-                <a:cs typeface="+mn-cs"/>
-              </a:rPr>
-              <a:t>  2. Find bugs</a:t>
-            </a:r>
-          </a:p>
-          <a:p>
-            <a:r>
-              <a:rPr lang="en-US" sz="1200" b="0" kern="1200" dirty="0">
-                <a:solidFill>
-                  <a:schemeClr val="tx1"/>
-                </a:solidFill>
-                <a:effectLst/>
-                <a:latin typeface="+mn-lt"/>
-                <a:ea typeface="+mn-ea"/>
-                <a:cs typeface="+mn-cs"/>
-              </a:rPr>
-              <a:t>  2. Make code testable</a:t>
-            </a:r>
+            <a:endParaRPr lang="en-US" dirty="0"/>
           </a:p>
         </p:txBody>
       </p:sp>
@@ -876,7 +889,7 @@
           <a:p>
             <a:fld id="{98E7458D-A4C5-47E1-AED0-92A55BE669C0}" type="slidenum">
               <a:rPr lang="en-US" smtClean="0"/>
-              <a:t>9</a:t>
+              <a:t>11</a:t>
             </a:fld>
             <a:endParaRPr lang="en-US"/>
           </a:p>
@@ -885,7 +898,7 @@
     </p:spTree>
     <p:extLst>
       <p:ext uri="{BB962C8B-B14F-4D97-AF65-F5344CB8AC3E}">
-        <p14:creationId xmlns:p14="http://schemas.microsoft.com/office/powerpoint/2010/main" val="2461306780"/>
+        <p14:creationId xmlns:p14="http://schemas.microsoft.com/office/powerpoint/2010/main" val="2981674733"/>
       </p:ext>
     </p:extLst>
   </p:cSld>
@@ -940,12 +953,84 @@
           <a:lstStyle/>
           <a:p>
             <a:r>
-              <a:rPr lang="en-US" dirty="0"/>
-              <a:t>Don’t be eager to skip small and picky intermediate</a:t>
-            </a:r>
-          </a:p>
-          <a:p>
-            <a:endParaRPr lang="en-US" dirty="0"/>
+              <a:rPr lang="en-US" sz="1200" b="0" kern="1200" dirty="0">
+                <a:solidFill>
+                  <a:schemeClr val="tx1"/>
+                </a:solidFill>
+                <a:effectLst/>
+                <a:latin typeface="+mn-lt"/>
+                <a:ea typeface="+mn-ea"/>
+                <a:cs typeface="+mn-cs"/>
+              </a:rPr>
+              <a:t>    - Easier to read, harder to misread</a:t>
+            </a:r>
+          </a:p>
+          <a:p>
+            <a:r>
+              <a:rPr lang="en-US" sz="1200" b="0" kern="1200" dirty="0">
+                <a:solidFill>
+                  <a:schemeClr val="tx1"/>
+                </a:solidFill>
+                <a:effectLst/>
+                <a:latin typeface="+mn-lt"/>
+                <a:ea typeface="+mn-ea"/>
+                <a:cs typeface="+mn-cs"/>
+              </a:rPr>
+              <a:t>    - Easier to enhance</a:t>
+            </a:r>
+          </a:p>
+          <a:p>
+            <a:r>
+              <a:rPr lang="en-US" sz="1200" b="0" kern="1200" dirty="0">
+                <a:solidFill>
+                  <a:schemeClr val="tx1"/>
+                </a:solidFill>
+                <a:effectLst/>
+                <a:latin typeface="+mn-lt"/>
+                <a:ea typeface="+mn-ea"/>
+                <a:cs typeface="+mn-cs"/>
+              </a:rPr>
+              <a:t>    - Easier to find further opportunities for further or broader refactoring</a:t>
+            </a:r>
+          </a:p>
+          <a:p>
+            <a:endParaRPr lang="en-US" sz="1200" b="0" kern="1200" dirty="0">
+              <a:solidFill>
+                <a:schemeClr val="tx1"/>
+              </a:solidFill>
+              <a:effectLst/>
+              <a:latin typeface="+mn-lt"/>
+              <a:ea typeface="+mn-ea"/>
+              <a:cs typeface="+mn-cs"/>
+            </a:endParaRPr>
+          </a:p>
+          <a:p>
+            <a:r>
+              <a:rPr lang="en-US" sz="1200" b="0" kern="1200" dirty="0">
+                <a:solidFill>
+                  <a:schemeClr val="tx1"/>
+                </a:solidFill>
+                <a:effectLst/>
+                <a:latin typeface="+mn-lt"/>
+                <a:ea typeface="+mn-ea"/>
+                <a:cs typeface="+mn-cs"/>
+              </a:rPr>
+              <a:t>  2. Find bugs</a:t>
+            </a:r>
+          </a:p>
+          <a:p>
+            <a:r>
+              <a:rPr lang="en-US" sz="1200" b="0" kern="1200" dirty="0">
+                <a:solidFill>
+                  <a:schemeClr val="tx1"/>
+                </a:solidFill>
+                <a:effectLst/>
+                <a:latin typeface="+mn-lt"/>
+                <a:ea typeface="+mn-ea"/>
+                <a:cs typeface="+mn-cs"/>
+              </a:rPr>
+              <a:t>  2. Make code testable</a:t>
+            </a:r>
           </a:p>
         </p:txBody>
       </p:sp>
@@ -966,7 +1051,7 @@
           <a:p>
             <a:fld id="{98E7458D-A4C5-47E1-AED0-92A55BE669C0}" type="slidenum">
               <a:rPr lang="en-US" smtClean="0"/>
-              <a:t>10</a:t>
+              <a:t>15</a:t>
             </a:fld>
             <a:endParaRPr lang="en-US"/>
           </a:p>
@@ -975,7 +1060,7 @@
     </p:spTree>
     <p:extLst>
       <p:ext uri="{BB962C8B-B14F-4D97-AF65-F5344CB8AC3E}">
-        <p14:creationId xmlns:p14="http://schemas.microsoft.com/office/powerpoint/2010/main" val="2764884835"/>
+        <p14:creationId xmlns:p14="http://schemas.microsoft.com/office/powerpoint/2010/main" val="2461306780"/>
       </p:ext>
     </p:extLst>
   </p:cSld>
@@ -1031,8 +1116,11 @@
           <a:p>
             <a:r>
               <a:rPr lang="en-US" dirty="0"/>
-              <a:t>Refactoring is not something to explain and plan.  Refactoring</a:t>
-            </a:r>
+              <a:t>Don’t be eager to skip small and picky intermediate</a:t>
+            </a:r>
+          </a:p>
+          <a:p>
+            <a:endParaRPr lang="en-US" dirty="0"/>
           </a:p>
         </p:txBody>
       </p:sp>
@@ -1053,7 +1141,7 @@
           <a:p>
             <a:fld id="{98E7458D-A4C5-47E1-AED0-92A55BE669C0}" type="slidenum">
               <a:rPr lang="en-US" smtClean="0"/>
-              <a:t>11</a:t>
+              <a:t>16</a:t>
             </a:fld>
             <a:endParaRPr lang="en-US"/>
           </a:p>
@@ -1062,7 +1150,7 @@
     </p:spTree>
     <p:extLst>
       <p:ext uri="{BB962C8B-B14F-4D97-AF65-F5344CB8AC3E}">
-        <p14:creationId xmlns:p14="http://schemas.microsoft.com/office/powerpoint/2010/main" val="1831187360"/>
+        <p14:creationId xmlns:p14="http://schemas.microsoft.com/office/powerpoint/2010/main" val="2764884835"/>
       </p:ext>
     </p:extLst>
   </p:cSld>
@@ -1116,35 +1204,9 @@
           <a:bodyPr/>
           <a:lstStyle/>
           <a:p>
-            <a:endParaRPr lang="en-US" dirty="0"/>
-          </a:p>
-          <a:p>
-            <a:pPr marL="171450" indent="-171450">
-              <a:buFontTx/>
-              <a:buChar char="-"/>
-            </a:pPr>
             <a:r>
               <a:rPr lang="en-US" dirty="0"/>
-              <a:t>Do not plan with stakeholders; make it a part of the work</a:t>
-            </a:r>
-          </a:p>
-          <a:p>
-            <a:pPr marL="171450" indent="-171450">
-              <a:buFontTx/>
-              <a:buChar char="-"/>
-            </a:pPr>
-            <a:endParaRPr lang="en-US" dirty="0"/>
-          </a:p>
-          <a:p>
-            <a:endParaRPr lang="en-US" dirty="0"/>
-          </a:p>
-          <a:p>
-            <a:endParaRPr lang="en-US" dirty="0"/>
-          </a:p>
-          <a:p>
-            <a:r>
-              <a:rPr lang="en-US" dirty="0"/>
-              <a:t>Eagerly and relentlessly refactor new code—it will save you time, even right-away time.</a:t>
+              <a:t>Refactoring is not something to explain and plan.  Refactoring</a:t>
             </a:r>
           </a:p>
         </p:txBody>
@@ -1166,7 +1228,7 @@
           <a:p>
             <a:fld id="{98E7458D-A4C5-47E1-AED0-92A55BE669C0}" type="slidenum">
               <a:rPr lang="en-US" smtClean="0"/>
-              <a:t>12</a:t>
+              <a:t>17</a:t>
             </a:fld>
             <a:endParaRPr lang="en-US"/>
           </a:p>
@@ -1175,7 +1237,7 @@
     </p:spTree>
     <p:extLst>
       <p:ext uri="{BB962C8B-B14F-4D97-AF65-F5344CB8AC3E}">
-        <p14:creationId xmlns:p14="http://schemas.microsoft.com/office/powerpoint/2010/main" val="3617444813"/>
+        <p14:creationId xmlns:p14="http://schemas.microsoft.com/office/powerpoint/2010/main" val="1831187360"/>
       </p:ext>
     </p:extLst>
   </p:cSld>
@@ -1229,9 +1291,35 @@
           <a:bodyPr/>
           <a:lstStyle/>
           <a:p>
+            <a:endParaRPr lang="en-US" dirty="0"/>
+          </a:p>
+          <a:p>
+            <a:pPr marL="171450" indent="-171450">
+              <a:buFontTx/>
+              <a:buChar char="-"/>
+            </a:pPr>
             <a:r>
               <a:rPr lang="en-US" dirty="0"/>
-              <a:t>Tool-assisted refactoring is not about less typing</a:t>
+              <a:t>Do not plan with stakeholders; make it a part of the work</a:t>
+            </a:r>
+          </a:p>
+          <a:p>
+            <a:pPr marL="171450" indent="-171450">
+              <a:buFontTx/>
+              <a:buChar char="-"/>
+            </a:pPr>
+            <a:endParaRPr lang="en-US" dirty="0"/>
+          </a:p>
+          <a:p>
+            <a:endParaRPr lang="en-US" dirty="0"/>
+          </a:p>
+          <a:p>
+            <a:endParaRPr lang="en-US" dirty="0"/>
+          </a:p>
+          <a:p>
+            <a:r>
+              <a:rPr lang="en-US" dirty="0"/>
+              <a:t>Eagerly and relentlessly refactor new code—it will save you time, even right-away time.</a:t>
             </a:r>
           </a:p>
         </p:txBody>
@@ -1253,7 +1341,7 @@
           <a:p>
             <a:fld id="{98E7458D-A4C5-47E1-AED0-92A55BE669C0}" type="slidenum">
               <a:rPr lang="en-US" smtClean="0"/>
-              <a:t>14</a:t>
+              <a:t>18</a:t>
             </a:fld>
             <a:endParaRPr lang="en-US"/>
           </a:p>
@@ -1262,7 +1350,7 @@
     </p:spTree>
     <p:extLst>
       <p:ext uri="{BB962C8B-B14F-4D97-AF65-F5344CB8AC3E}">
-        <p14:creationId xmlns:p14="http://schemas.microsoft.com/office/powerpoint/2010/main" val="4244894287"/>
+        <p14:creationId xmlns:p14="http://schemas.microsoft.com/office/powerpoint/2010/main" val="3617444813"/>
       </p:ext>
     </p:extLst>
   </p:cSld>
@@ -1316,7 +1404,10 @@
           <a:bodyPr/>
           <a:lstStyle/>
           <a:p>
-            <a:endParaRPr lang="en-US" dirty="0"/>
+            <a:r>
+              <a:rPr lang="en-US" dirty="0"/>
+              <a:t>Tool-assisted refactoring is not about less typing</a:t>
+            </a:r>
           </a:p>
         </p:txBody>
       </p:sp>
@@ -1337,7 +1428,7 @@
           <a:p>
             <a:fld id="{98E7458D-A4C5-47E1-AED0-92A55BE669C0}" type="slidenum">
               <a:rPr lang="en-US" smtClean="0"/>
-              <a:t>15</a:t>
+              <a:t>20</a:t>
             </a:fld>
             <a:endParaRPr lang="en-US"/>
           </a:p>
@@ -1346,7 +1437,7 @@
     </p:spTree>
     <p:extLst>
       <p:ext uri="{BB962C8B-B14F-4D97-AF65-F5344CB8AC3E}">
-        <p14:creationId xmlns:p14="http://schemas.microsoft.com/office/powerpoint/2010/main" val="3152304061"/>
+        <p14:creationId xmlns:p14="http://schemas.microsoft.com/office/powerpoint/2010/main" val="4244894287"/>
       </p:ext>
     </p:extLst>
   </p:cSld>
@@ -1526,7 +1617,7 @@
           <a:p>
             <a:fld id="{48A87A34-81AB-432B-8DAE-1953F412C126}" type="datetimeFigureOut">
               <a:rPr lang="en-US" dirty="0"/>
-              <a:t>2/6/2020</a:t>
+              <a:t>4/12/2020</a:t>
             </a:fld>
             <a:endParaRPr lang="en-US" dirty="0"/>
           </a:p>
@@ -1788,7 +1879,7 @@
           <a:p>
             <a:fld id="{48A87A34-81AB-432B-8DAE-1953F412C126}" type="datetimeFigureOut">
               <a:rPr lang="en-US" dirty="0"/>
-              <a:t>2/6/2020</a:t>
+              <a:t>4/12/2020</a:t>
             </a:fld>
             <a:endParaRPr lang="en-US" dirty="0"/>
           </a:p>
@@ -2015,7 +2106,7 @@
             <a:fld id="{48A87A34-81AB-432B-8DAE-1953F412C126}" type="datetimeFigureOut">
               <a:rPr lang="en-US" dirty="0"/>
               <a:pPr/>
-              <a:t>2/6/2020</a:t>
+              <a:t>4/12/2020</a:t>
             </a:fld>
             <a:endParaRPr lang="en-US" dirty="0"/>
           </a:p>
@@ -2321,7 +2412,7 @@
             <a:fld id="{48A87A34-81AB-432B-8DAE-1953F412C126}" type="datetimeFigureOut">
               <a:rPr lang="en-US" dirty="0"/>
               <a:pPr/>
-              <a:t>2/6/2020</a:t>
+              <a:t>4/12/2020</a:t>
             </a:fld>
             <a:endParaRPr lang="en-US" dirty="0"/>
           </a:p>
@@ -2790,7 +2881,7 @@
             <a:fld id="{48A87A34-81AB-432B-8DAE-1953F412C126}" type="datetimeFigureOut">
               <a:rPr lang="en-US" dirty="0"/>
               <a:pPr/>
-              <a:t>2/6/2020</a:t>
+              <a:t>4/12/2020</a:t>
             </a:fld>
             <a:endParaRPr lang="en-US" dirty="0"/>
           </a:p>
@@ -3332,7 +3423,7 @@
           <a:p>
             <a:fld id="{48A87A34-81AB-432B-8DAE-1953F412C126}" type="datetimeFigureOut">
               <a:rPr lang="en-US" dirty="0"/>
-              <a:t>2/6/2020</a:t>
+              <a:t>4/12/2020</a:t>
             </a:fld>
             <a:endParaRPr lang="en-US" dirty="0"/>
           </a:p>
@@ -4101,7 +4192,7 @@
           <a:p>
             <a:fld id="{48A87A34-81AB-432B-8DAE-1953F412C126}" type="datetimeFigureOut">
               <a:rPr lang="en-US" dirty="0"/>
-              <a:t>2/6/2020</a:t>
+              <a:t>4/12/2020</a:t>
             </a:fld>
             <a:endParaRPr lang="en-US" dirty="0"/>
           </a:p>
@@ -4271,7 +4362,7 @@
           <a:p>
             <a:fld id="{48A87A34-81AB-432B-8DAE-1953F412C126}" type="datetimeFigureOut">
               <a:rPr lang="en-US" dirty="0"/>
-              <a:t>2/6/2020</a:t>
+              <a:t>4/12/2020</a:t>
             </a:fld>
             <a:endParaRPr lang="en-US" dirty="0"/>
           </a:p>
@@ -4490,7 +4581,7 @@
             <a:fld id="{48A87A34-81AB-432B-8DAE-1953F412C126}" type="datetimeFigureOut">
               <a:rPr lang="en-US" dirty="0"/>
               <a:pPr/>
-              <a:t>2/6/2020</a:t>
+              <a:t>4/12/2020</a:t>
             </a:fld>
             <a:endParaRPr lang="en-US" dirty="0"/>
           </a:p>
@@ -4665,7 +4756,7 @@
           <a:p>
             <a:fld id="{48A87A34-81AB-432B-8DAE-1953F412C126}" type="datetimeFigureOut">
               <a:rPr lang="en-US" dirty="0"/>
-              <a:t>2/6/2020</a:t>
+              <a:t>4/12/2020</a:t>
             </a:fld>
             <a:endParaRPr lang="en-US" dirty="0"/>
           </a:p>
@@ -4950,7 +5041,7 @@
             <a:fld id="{48A87A34-81AB-432B-8DAE-1953F412C126}" type="datetimeFigureOut">
               <a:rPr lang="en-US" dirty="0"/>
               <a:pPr/>
-              <a:t>2/6/2020</a:t>
+              <a:t>4/12/2020</a:t>
             </a:fld>
             <a:endParaRPr lang="en-US" dirty="0"/>
           </a:p>
@@ -5187,7 +5278,7 @@
           <a:p>
             <a:fld id="{48A87A34-81AB-432B-8DAE-1953F412C126}" type="datetimeFigureOut">
               <a:rPr lang="en-US" dirty="0"/>
-              <a:t>2/6/2020</a:t>
+              <a:t>4/12/2020</a:t>
             </a:fld>
             <a:endParaRPr lang="en-US" dirty="0"/>
           </a:p>
@@ -5561,7 +5652,7 @@
           <a:p>
             <a:fld id="{48A87A34-81AB-432B-8DAE-1953F412C126}" type="datetimeFigureOut">
               <a:rPr lang="en-US" dirty="0"/>
-              <a:t>2/6/2020</a:t>
+              <a:t>4/12/2020</a:t>
             </a:fld>
             <a:endParaRPr lang="en-US" dirty="0"/>
           </a:p>
@@ -5674,7 +5765,7 @@
           <a:p>
             <a:fld id="{48A87A34-81AB-432B-8DAE-1953F412C126}" type="datetimeFigureOut">
               <a:rPr lang="en-US" dirty="0"/>
-              <a:t>2/6/2020</a:t>
+              <a:t>4/12/2020</a:t>
             </a:fld>
             <a:endParaRPr lang="en-US" dirty="0"/>
           </a:p>
@@ -5764,7 +5855,7 @@
           <a:p>
             <a:fld id="{48A87A34-81AB-432B-8DAE-1953F412C126}" type="datetimeFigureOut">
               <a:rPr lang="en-US" dirty="0"/>
-              <a:t>2/6/2020</a:t>
+              <a:t>4/12/2020</a:t>
             </a:fld>
             <a:endParaRPr lang="en-US" dirty="0"/>
           </a:p>
@@ -6008,7 +6099,7 @@
           <a:p>
             <a:fld id="{48A87A34-81AB-432B-8DAE-1953F412C126}" type="datetimeFigureOut">
               <a:rPr lang="en-US" dirty="0"/>
-              <a:t>2/6/2020</a:t>
+              <a:t>4/12/2020</a:t>
             </a:fld>
             <a:endParaRPr lang="en-US" dirty="0"/>
           </a:p>
@@ -6260,7 +6351,7 @@
           <a:p>
             <a:fld id="{48A87A34-81AB-432B-8DAE-1953F412C126}" type="datetimeFigureOut">
               <a:rPr lang="en-US" dirty="0"/>
-              <a:t>2/6/2020</a:t>
+              <a:t>4/12/2020</a:t>
             </a:fld>
             <a:endParaRPr lang="en-US" dirty="0"/>
           </a:p>
@@ -6499,7 +6590,7 @@
             <a:fld id="{48A87A34-81AB-432B-8DAE-1953F412C126}" type="datetimeFigureOut">
               <a:rPr lang="en-US" dirty="0"/>
               <a:pPr/>
-              <a:t>2/6/2020</a:t>
+              <a:t>4/12/2020</a:t>
             </a:fld>
             <a:endParaRPr lang="en-US" dirty="0"/>
           </a:p>
@@ -7018,10 +7109,10 @@
       </p:grpSpPr>
       <p:sp>
         <p:nvSpPr>
-          <p:cNvPr id="3" name="Content Placeholder 2">
+          <p:cNvPr id="2" name="Title 1">
             <a:extLst>
               <a:ext uri="{FF2B5EF4-FFF2-40B4-BE49-F238E27FC236}">
-                <a16:creationId xmlns:a16="http://schemas.microsoft.com/office/drawing/2014/main" id="{46788B64-0D05-4F95-9E09-8F7E078A72E1}"/>
+                <a16:creationId xmlns:a16="http://schemas.microsoft.com/office/drawing/2014/main" id="{3910229E-93BA-489E-9B3C-0B2A6AF9EF1C}"/>
               </a:ext>
             </a:extLst>
           </p:cNvPr>
@@ -7029,81 +7120,51 @@
             <a:spLocks noGrp="1"/>
           </p:cNvSpPr>
           <p:nvPr>
+            <p:ph type="title"/>
+          </p:nvPr>
+        </p:nvSpPr>
+        <p:spPr/>
+        <p:txBody>
+          <a:bodyPr/>
+          <a:lstStyle/>
+          <a:p>
+            <a:endParaRPr lang="en-US"/>
+          </a:p>
+        </p:txBody>
+      </p:sp>
+      <p:pic>
+        <p:nvPicPr>
+          <p:cNvPr id="5" name="Content Placeholder 4" descr="A screen shot of a dog&#10;&#10;Description automatically generated">
+            <a:extLst>
+              <a:ext uri="{FF2B5EF4-FFF2-40B4-BE49-F238E27FC236}">
+                <a16:creationId xmlns:a16="http://schemas.microsoft.com/office/drawing/2014/main" id="{0F245543-8AAC-4581-91B7-E2223A11A9DC}"/>
+              </a:ext>
+            </a:extLst>
+          </p:cNvPr>
+          <p:cNvPicPr>
+            <a:picLocks noGrp="1" noChangeAspect="1"/>
+          </p:cNvPicPr>
+          <p:nvPr>
             <p:ph idx="1"/>
           </p:nvPr>
-        </p:nvSpPr>
-        <p:spPr>
-          <a:xfrm>
-            <a:off x="685800" y="1416937"/>
-            <a:ext cx="10820400" cy="4024125"/>
-          </a:xfrm>
-        </p:spPr>
-        <p:txBody>
-          <a:bodyPr>
-            <a:normAutofit/>
-          </a:bodyPr>
-          <a:lstStyle/>
-          <a:p>
-            <a:pPr marL="0" indent="0" algn="ctr">
-              <a:buNone/>
-            </a:pPr>
-            <a:r>
-              <a:rPr lang="en-US" sz="4400" dirty="0"/>
-              <a:t>The only good way to refactor</a:t>
-            </a:r>
-          </a:p>
-          <a:p>
-            <a:pPr marL="0" indent="0" algn="ctr">
-              <a:buNone/>
-            </a:pPr>
-            <a:r>
-              <a:rPr lang="en-US" sz="4400" dirty="0"/>
-              <a:t>Is in a </a:t>
-            </a:r>
-            <a:r>
-              <a:rPr lang="en-US" sz="4400" b="1" dirty="0"/>
-              <a:t>small easy step</a:t>
-            </a:r>
-          </a:p>
-          <a:p>
-            <a:pPr marL="0" indent="0" algn="ctr">
-              <a:buNone/>
-            </a:pPr>
-            <a:r>
-              <a:rPr lang="en-US" sz="4400" dirty="0"/>
-              <a:t>Then repeat in tight loops</a:t>
-            </a:r>
-          </a:p>
-          <a:p>
-            <a:pPr marL="0" indent="0" algn="ctr">
-              <a:buNone/>
-            </a:pPr>
-            <a:endParaRPr lang="en-US" sz="4000" dirty="0"/>
-          </a:p>
-          <a:p>
-            <a:pPr marL="0" indent="0" algn="ctr">
-              <a:buNone/>
-            </a:pPr>
-            <a:r>
-              <a:rPr lang="en-US" sz="3200" dirty="0"/>
-              <a:t>Five refactors at 99% confidence</a:t>
-            </a:r>
-          </a:p>
-          <a:p>
-            <a:pPr marL="0" indent="0" algn="ctr">
-              <a:buNone/>
-            </a:pPr>
-            <a:r>
-              <a:rPr lang="en-US" sz="3200" dirty="0"/>
-              <a:t>are better than one big refactor at 80% confidence</a:t>
-            </a:r>
-          </a:p>
-        </p:txBody>
-      </p:sp>
+        </p:nvPicPr>
+        <p:blipFill>
+          <a:blip r:embed="rId3"/>
+          <a:stretch>
+            <a:fillRect/>
+          </a:stretch>
+        </p:blipFill>
+        <p:spPr>
+          <a:xfrm>
+            <a:off x="1545362" y="16021"/>
+            <a:ext cx="9101276" cy="6825958"/>
+          </a:xfrm>
+        </p:spPr>
+      </p:pic>
     </p:spTree>
     <p:extLst>
       <p:ext uri="{BB962C8B-B14F-4D97-AF65-F5344CB8AC3E}">
-        <p14:creationId xmlns:p14="http://schemas.microsoft.com/office/powerpoint/2010/main" val="3549367988"/>
+        <p14:creationId xmlns:p14="http://schemas.microsoft.com/office/powerpoint/2010/main" val="4072397509"/>
       </p:ext>
     </p:extLst>
   </p:cSld>
@@ -7132,6 +7193,700 @@
       </p:grpSpPr>
       <p:sp>
         <p:nvSpPr>
+          <p:cNvPr id="2" name="Title 1">
+            <a:extLst>
+              <a:ext uri="{FF2B5EF4-FFF2-40B4-BE49-F238E27FC236}">
+                <a16:creationId xmlns:a16="http://schemas.microsoft.com/office/drawing/2014/main" id="{0EBB95CD-D4DB-4E8C-AB5A-22E4ACC53959}"/>
+              </a:ext>
+            </a:extLst>
+          </p:cNvPr>
+          <p:cNvSpPr>
+            <a:spLocks noGrp="1"/>
+          </p:cNvSpPr>
+          <p:nvPr>
+            <p:ph type="title"/>
+          </p:nvPr>
+        </p:nvSpPr>
+        <p:spPr/>
+        <p:txBody>
+          <a:bodyPr/>
+          <a:lstStyle/>
+          <a:p>
+            <a:endParaRPr lang="en-US"/>
+          </a:p>
+        </p:txBody>
+      </p:sp>
+      <p:pic>
+        <p:nvPicPr>
+          <p:cNvPr id="9" name="Content Placeholder 8" descr="A close up of text on a white background&#10;&#10;Description automatically generated">
+            <a:extLst>
+              <a:ext uri="{FF2B5EF4-FFF2-40B4-BE49-F238E27FC236}">
+                <a16:creationId xmlns:a16="http://schemas.microsoft.com/office/drawing/2014/main" id="{33A17641-0926-4323-875C-86DD9ED1C813}"/>
+              </a:ext>
+            </a:extLst>
+          </p:cNvPr>
+          <p:cNvPicPr>
+            <a:picLocks noGrp="1" noChangeAspect="1"/>
+          </p:cNvPicPr>
+          <p:nvPr>
+            <p:ph idx="1"/>
+          </p:nvPr>
+        </p:nvPicPr>
+        <p:blipFill>
+          <a:blip r:embed="rId3"/>
+          <a:stretch>
+            <a:fillRect/>
+          </a:stretch>
+        </p:blipFill>
+        <p:spPr>
+          <a:xfrm>
+            <a:off x="1621924" y="632702"/>
+            <a:ext cx="8948152" cy="5592596"/>
+          </a:xfrm>
+        </p:spPr>
+      </p:pic>
+    </p:spTree>
+    <p:extLst>
+      <p:ext uri="{BB962C8B-B14F-4D97-AF65-F5344CB8AC3E}">
+        <p14:creationId xmlns:p14="http://schemas.microsoft.com/office/powerpoint/2010/main" val="3517861075"/>
+      </p:ext>
+    </p:extLst>
+  </p:cSld>
+  <p:clrMapOvr>
+    <a:masterClrMapping/>
+  </p:clrMapOvr>
+</p:sld>
+</file>
+
+<file path=ppt/slides/slide12.xml><?xml version="1.0" encoding="utf-8"?>
+<p:sld xmlns:a="http://schemas.openxmlformats.org/drawingml/2006/main" xmlns:r="http://schemas.openxmlformats.org/officeDocument/2006/relationships" xmlns:p="http://schemas.openxmlformats.org/presentationml/2006/main">
+  <p:cSld>
+    <p:spTree>
+      <p:nvGrpSpPr>
+        <p:cNvPr id="1" name=""/>
+        <p:cNvGrpSpPr/>
+        <p:nvPr/>
+      </p:nvGrpSpPr>
+      <p:grpSpPr>
+        <a:xfrm>
+          <a:off x="0" y="0"/>
+          <a:ext cx="0" cy="0"/>
+          <a:chOff x="0" y="0"/>
+          <a:chExt cx="0" cy="0"/>
+        </a:xfrm>
+      </p:grpSpPr>
+      <p:sp>
+        <p:nvSpPr>
+          <p:cNvPr id="2" name="Title 1">
+            <a:extLst>
+              <a:ext uri="{FF2B5EF4-FFF2-40B4-BE49-F238E27FC236}">
+                <a16:creationId xmlns:a16="http://schemas.microsoft.com/office/drawing/2014/main" id="{F553C196-FEBF-443E-8B22-D3886BEACB32}"/>
+              </a:ext>
+            </a:extLst>
+          </p:cNvPr>
+          <p:cNvSpPr>
+            <a:spLocks noGrp="1"/>
+          </p:cNvSpPr>
+          <p:nvPr>
+            <p:ph type="title"/>
+          </p:nvPr>
+        </p:nvSpPr>
+        <p:spPr/>
+        <p:txBody>
+          <a:bodyPr/>
+          <a:lstStyle/>
+          <a:p>
+            <a:endParaRPr lang="en-US"/>
+          </a:p>
+        </p:txBody>
+      </p:sp>
+      <p:sp>
+        <p:nvSpPr>
+          <p:cNvPr id="3" name="Content Placeholder 2">
+            <a:extLst>
+              <a:ext uri="{FF2B5EF4-FFF2-40B4-BE49-F238E27FC236}">
+                <a16:creationId xmlns:a16="http://schemas.microsoft.com/office/drawing/2014/main" id="{335F764E-47CD-495D-AEB6-BF52375D068D}"/>
+              </a:ext>
+            </a:extLst>
+          </p:cNvPr>
+          <p:cNvSpPr>
+            <a:spLocks noGrp="1"/>
+          </p:cNvSpPr>
+          <p:nvPr>
+            <p:ph idx="1"/>
+          </p:nvPr>
+        </p:nvSpPr>
+        <p:spPr/>
+        <p:txBody>
+          <a:bodyPr/>
+          <a:lstStyle/>
+          <a:p>
+            <a:endParaRPr lang="en-US"/>
+          </a:p>
+        </p:txBody>
+      </p:sp>
+      <p:pic>
+        <p:nvPicPr>
+          <p:cNvPr id="4" name="Picture 3">
+            <a:extLst>
+              <a:ext uri="{FF2B5EF4-FFF2-40B4-BE49-F238E27FC236}">
+                <a16:creationId xmlns:a16="http://schemas.microsoft.com/office/drawing/2014/main" id="{04F2C0DE-403B-4307-A997-A3D7AC146CC4}"/>
+              </a:ext>
+            </a:extLst>
+          </p:cNvPr>
+          <p:cNvPicPr>
+            <a:picLocks noChangeAspect="1"/>
+          </p:cNvPicPr>
+          <p:nvPr/>
+        </p:nvPicPr>
+        <p:blipFill>
+          <a:blip r:embed="rId2"/>
+          <a:stretch>
+            <a:fillRect/>
+          </a:stretch>
+        </p:blipFill>
+        <p:spPr>
+          <a:xfrm>
+            <a:off x="-57276" y="1569720"/>
+            <a:ext cx="12249276" cy="5288280"/>
+          </a:xfrm>
+          <a:prstGeom prst="rect">
+            <a:avLst/>
+          </a:prstGeom>
+        </p:spPr>
+      </p:pic>
+    </p:spTree>
+    <p:extLst>
+      <p:ext uri="{BB962C8B-B14F-4D97-AF65-F5344CB8AC3E}">
+        <p14:creationId xmlns:p14="http://schemas.microsoft.com/office/powerpoint/2010/main" val="3600119593"/>
+      </p:ext>
+    </p:extLst>
+  </p:cSld>
+  <p:clrMapOvr>
+    <a:masterClrMapping/>
+  </p:clrMapOvr>
+</p:sld>
+</file>
+
+<file path=ppt/slides/slide13.xml><?xml version="1.0" encoding="utf-8"?>
+<p:sld xmlns:a="http://schemas.openxmlformats.org/drawingml/2006/main" xmlns:r="http://schemas.openxmlformats.org/officeDocument/2006/relationships" xmlns:p="http://schemas.openxmlformats.org/presentationml/2006/main">
+  <p:cSld>
+    <p:spTree>
+      <p:nvGrpSpPr>
+        <p:cNvPr id="1" name=""/>
+        <p:cNvGrpSpPr/>
+        <p:nvPr/>
+      </p:nvGrpSpPr>
+      <p:grpSpPr>
+        <a:xfrm>
+          <a:off x="0" y="0"/>
+          <a:ext cx="0" cy="0"/>
+          <a:chOff x="0" y="0"/>
+          <a:chExt cx="0" cy="0"/>
+        </a:xfrm>
+      </p:grpSpPr>
+      <p:sp>
+        <p:nvSpPr>
+          <p:cNvPr id="2" name="Title 1">
+            <a:extLst>
+              <a:ext uri="{FF2B5EF4-FFF2-40B4-BE49-F238E27FC236}">
+                <a16:creationId xmlns:a16="http://schemas.microsoft.com/office/drawing/2014/main" id="{425A0AA1-E406-4ECD-978A-418AB0BC2649}"/>
+              </a:ext>
+            </a:extLst>
+          </p:cNvPr>
+          <p:cNvSpPr>
+            <a:spLocks noGrp="1"/>
+          </p:cNvSpPr>
+          <p:nvPr>
+            <p:ph type="ctrTitle"/>
+          </p:nvPr>
+        </p:nvSpPr>
+        <p:spPr>
+          <a:xfrm>
+            <a:off x="1371600" y="1803405"/>
+            <a:ext cx="10234246" cy="1825096"/>
+          </a:xfrm>
+        </p:spPr>
+        <p:txBody>
+          <a:bodyPr/>
+          <a:lstStyle/>
+          <a:p>
+            <a:r>
+              <a:rPr lang="en-US" dirty="0"/>
+              <a:t>PRACTICAL REFACTORING</a:t>
+            </a:r>
+          </a:p>
+        </p:txBody>
+      </p:sp>
+      <p:sp>
+        <p:nvSpPr>
+          <p:cNvPr id="3" name="Subtitle 2">
+            <a:extLst>
+              <a:ext uri="{FF2B5EF4-FFF2-40B4-BE49-F238E27FC236}">
+                <a16:creationId xmlns:a16="http://schemas.microsoft.com/office/drawing/2014/main" id="{5EB833E6-A4A8-44BB-9EB9-8E4F8844248D}"/>
+              </a:ext>
+            </a:extLst>
+          </p:cNvPr>
+          <p:cNvSpPr>
+            <a:spLocks noGrp="1"/>
+          </p:cNvSpPr>
+          <p:nvPr>
+            <p:ph type="subTitle" idx="1"/>
+          </p:nvPr>
+        </p:nvSpPr>
+        <p:spPr>
+          <a:xfrm>
+            <a:off x="1371600" y="3632200"/>
+            <a:ext cx="9448800" cy="1502507"/>
+          </a:xfrm>
+        </p:spPr>
+        <p:txBody>
+          <a:bodyPr>
+            <a:normAutofit/>
+          </a:bodyPr>
+          <a:lstStyle/>
+          <a:p>
+            <a:r>
+              <a:rPr lang="en-US" sz="2800" dirty="0"/>
+              <a:t>Patrick Szalapski</a:t>
+            </a:r>
+          </a:p>
+          <a:p>
+            <a:r>
+              <a:rPr lang="en-US" sz="2800" dirty="0"/>
+              <a:t>@Szalapski | szalapski.com</a:t>
+            </a:r>
+          </a:p>
+        </p:txBody>
+      </p:sp>
+    </p:spTree>
+    <p:extLst>
+      <p:ext uri="{BB962C8B-B14F-4D97-AF65-F5344CB8AC3E}">
+        <p14:creationId xmlns:p14="http://schemas.microsoft.com/office/powerpoint/2010/main" val="3001919675"/>
+      </p:ext>
+    </p:extLst>
+  </p:cSld>
+  <p:clrMapOvr>
+    <a:masterClrMapping/>
+  </p:clrMapOvr>
+</p:sld>
+</file>
+
+<file path=ppt/slides/slide14.xml><?xml version="1.0" encoding="utf-8"?>
+<p:sld xmlns:a="http://schemas.openxmlformats.org/drawingml/2006/main" xmlns:r="http://schemas.openxmlformats.org/officeDocument/2006/relationships" xmlns:p="http://schemas.openxmlformats.org/presentationml/2006/main">
+  <p:cSld>
+    <p:spTree>
+      <p:nvGrpSpPr>
+        <p:cNvPr id="1" name=""/>
+        <p:cNvGrpSpPr/>
+        <p:nvPr/>
+      </p:nvGrpSpPr>
+      <p:grpSpPr>
+        <a:xfrm>
+          <a:off x="0" y="0"/>
+          <a:ext cx="0" cy="0"/>
+          <a:chOff x="0" y="0"/>
+          <a:chExt cx="0" cy="0"/>
+        </a:xfrm>
+      </p:grpSpPr>
+      <p:sp>
+        <p:nvSpPr>
+          <p:cNvPr id="3" name="Content Placeholder 2">
+            <a:extLst>
+              <a:ext uri="{FF2B5EF4-FFF2-40B4-BE49-F238E27FC236}">
+                <a16:creationId xmlns:a16="http://schemas.microsoft.com/office/drawing/2014/main" id="{D8C72433-D559-407B-BBE6-931109BBD8E6}"/>
+              </a:ext>
+            </a:extLst>
+          </p:cNvPr>
+          <p:cNvSpPr>
+            <a:spLocks noGrp="1"/>
+          </p:cNvSpPr>
+          <p:nvPr>
+            <p:ph idx="1"/>
+          </p:nvPr>
+        </p:nvSpPr>
+        <p:spPr>
+          <a:xfrm>
+            <a:off x="388620" y="1607233"/>
+            <a:ext cx="11327130" cy="1664872"/>
+          </a:xfrm>
+        </p:spPr>
+        <p:txBody>
+          <a:bodyPr>
+            <a:normAutofit/>
+          </a:bodyPr>
+          <a:lstStyle/>
+          <a:p>
+            <a:pPr marL="0" indent="0" algn="ctr">
+              <a:buNone/>
+            </a:pPr>
+            <a:r>
+              <a:rPr lang="en-US" sz="4800" dirty="0"/>
+              <a:t>To </a:t>
+            </a:r>
+            <a:r>
+              <a:rPr lang="en-US" sz="4800" b="1" dirty="0"/>
+              <a:t>refactor</a:t>
+            </a:r>
+            <a:r>
+              <a:rPr lang="en-US" sz="4800" dirty="0"/>
+              <a:t> is to make code better without changing its behavior</a:t>
+            </a:r>
+          </a:p>
+        </p:txBody>
+      </p:sp>
+      <p:sp>
+        <p:nvSpPr>
+          <p:cNvPr id="12" name="TextBox 11">
+            <a:extLst>
+              <a:ext uri="{FF2B5EF4-FFF2-40B4-BE49-F238E27FC236}">
+                <a16:creationId xmlns:a16="http://schemas.microsoft.com/office/drawing/2014/main" id="{4BC0D16E-33E3-46A4-A769-2B2D5C935F19}"/>
+              </a:ext>
+            </a:extLst>
+          </p:cNvPr>
+          <p:cNvSpPr txBox="1"/>
+          <p:nvPr/>
+        </p:nvSpPr>
+        <p:spPr>
+          <a:xfrm>
+            <a:off x="6737683" y="4127316"/>
+            <a:ext cx="4439653" cy="1569660"/>
+          </a:xfrm>
+          <a:prstGeom prst="rect">
+            <a:avLst/>
+          </a:prstGeom>
+          <a:noFill/>
+        </p:spPr>
+        <p:txBody>
+          <a:bodyPr wrap="square" rtlCol="0">
+            <a:spAutoFit/>
+          </a:bodyPr>
+          <a:lstStyle/>
+          <a:p>
+            <a:pPr algn="r"/>
+            <a:r>
+              <a:rPr lang="en-US" sz="2400" b="1" dirty="0"/>
+              <a:t>Behavior</a:t>
+            </a:r>
+            <a:r>
+              <a:rPr lang="en-US" sz="2400" dirty="0"/>
+              <a:t> usually means output or side effects</a:t>
+            </a:r>
+          </a:p>
+          <a:p>
+            <a:pPr algn="r"/>
+            <a:r>
+              <a:rPr lang="en-US" sz="2400" dirty="0"/>
+              <a:t>but also could be performance or resource</a:t>
+            </a:r>
+          </a:p>
+        </p:txBody>
+      </p:sp>
+      <p:pic>
+        <p:nvPicPr>
+          <p:cNvPr id="4" name="Content Placeholder 8" descr="A close up of text on a white background&#10;&#10;Description automatically generated">
+            <a:extLst>
+              <a:ext uri="{FF2B5EF4-FFF2-40B4-BE49-F238E27FC236}">
+                <a16:creationId xmlns:a16="http://schemas.microsoft.com/office/drawing/2014/main" id="{F909B1FC-3CA4-4163-B3A1-BD26CF0F882D}"/>
+              </a:ext>
+            </a:extLst>
+          </p:cNvPr>
+          <p:cNvPicPr>
+            <a:picLocks noChangeAspect="1"/>
+          </p:cNvPicPr>
+          <p:nvPr/>
+        </p:nvPicPr>
+        <p:blipFill>
+          <a:blip r:embed="rId2"/>
+          <a:stretch>
+            <a:fillRect/>
+          </a:stretch>
+        </p:blipFill>
+        <p:spPr>
+          <a:xfrm>
+            <a:off x="238293" y="3458751"/>
+            <a:ext cx="5055602" cy="3159752"/>
+          </a:xfrm>
+          <a:prstGeom prst="rect">
+            <a:avLst/>
+          </a:prstGeom>
+        </p:spPr>
+      </p:pic>
+    </p:spTree>
+    <p:extLst>
+      <p:ext uri="{BB962C8B-B14F-4D97-AF65-F5344CB8AC3E}">
+        <p14:creationId xmlns:p14="http://schemas.microsoft.com/office/powerpoint/2010/main" val="657785876"/>
+      </p:ext>
+    </p:extLst>
+  </p:cSld>
+  <p:clrMapOvr>
+    <a:masterClrMapping/>
+  </p:clrMapOvr>
+</p:sld>
+</file>
+
+<file path=ppt/slides/slide15.xml><?xml version="1.0" encoding="utf-8"?>
+<p:sld xmlns:a="http://schemas.openxmlformats.org/drawingml/2006/main" xmlns:r="http://schemas.openxmlformats.org/officeDocument/2006/relationships" xmlns:p="http://schemas.openxmlformats.org/presentationml/2006/main">
+  <p:cSld>
+    <p:spTree>
+      <p:nvGrpSpPr>
+        <p:cNvPr id="1" name=""/>
+        <p:cNvGrpSpPr/>
+        <p:nvPr/>
+      </p:nvGrpSpPr>
+      <p:grpSpPr>
+        <a:xfrm>
+          <a:off x="0" y="0"/>
+          <a:ext cx="0" cy="0"/>
+          <a:chOff x="0" y="0"/>
+          <a:chExt cx="0" cy="0"/>
+        </a:xfrm>
+      </p:grpSpPr>
+      <p:sp>
+        <p:nvSpPr>
+          <p:cNvPr id="3" name="Content Placeholder 2">
+            <a:extLst>
+              <a:ext uri="{FF2B5EF4-FFF2-40B4-BE49-F238E27FC236}">
+                <a16:creationId xmlns:a16="http://schemas.microsoft.com/office/drawing/2014/main" id="{D8C72433-D559-407B-BBE6-931109BBD8E6}"/>
+              </a:ext>
+            </a:extLst>
+          </p:cNvPr>
+          <p:cNvSpPr>
+            <a:spLocks noGrp="1"/>
+          </p:cNvSpPr>
+          <p:nvPr>
+            <p:ph idx="1"/>
+          </p:nvPr>
+        </p:nvSpPr>
+        <p:spPr>
+          <a:xfrm>
+            <a:off x="388620" y="1607233"/>
+            <a:ext cx="11327130" cy="1627457"/>
+          </a:xfrm>
+        </p:spPr>
+        <p:txBody>
+          <a:bodyPr>
+            <a:normAutofit/>
+          </a:bodyPr>
+          <a:lstStyle/>
+          <a:p>
+            <a:pPr marL="0" indent="0" algn="ctr">
+              <a:buNone/>
+            </a:pPr>
+            <a:r>
+              <a:rPr lang="en-US" sz="4800" dirty="0"/>
+              <a:t>The main benefit of refactoring is increased </a:t>
+            </a:r>
+            <a:r>
+              <a:rPr lang="en-US" sz="4800" b="1" dirty="0"/>
+              <a:t>maintainability</a:t>
+            </a:r>
+          </a:p>
+        </p:txBody>
+      </p:sp>
+      <p:sp>
+        <p:nvSpPr>
+          <p:cNvPr id="12" name="TextBox 11">
+            <a:extLst>
+              <a:ext uri="{FF2B5EF4-FFF2-40B4-BE49-F238E27FC236}">
+                <a16:creationId xmlns:a16="http://schemas.microsoft.com/office/drawing/2014/main" id="{4BC0D16E-33E3-46A4-A769-2B2D5C935F19}"/>
+              </a:ext>
+            </a:extLst>
+          </p:cNvPr>
+          <p:cNvSpPr txBox="1"/>
+          <p:nvPr/>
+        </p:nvSpPr>
+        <p:spPr>
+          <a:xfrm>
+            <a:off x="6286065" y="3906053"/>
+            <a:ext cx="4729180" cy="1815882"/>
+          </a:xfrm>
+          <a:prstGeom prst="rect">
+            <a:avLst/>
+          </a:prstGeom>
+          <a:noFill/>
+        </p:spPr>
+        <p:txBody>
+          <a:bodyPr wrap="none" rtlCol="0">
+            <a:spAutoFit/>
+          </a:bodyPr>
+          <a:lstStyle/>
+          <a:p>
+            <a:pPr algn="r"/>
+            <a:r>
+              <a:rPr lang="en-US" sz="2800" dirty="0"/>
+              <a:t>The best code to refactor </a:t>
+            </a:r>
+          </a:p>
+          <a:p>
+            <a:pPr algn="r"/>
+            <a:r>
+              <a:rPr lang="en-US" sz="2800" dirty="0"/>
+              <a:t>is the code you’re </a:t>
+            </a:r>
+          </a:p>
+          <a:p>
+            <a:pPr algn="r"/>
+            <a:r>
+              <a:rPr lang="en-US" sz="2800" dirty="0"/>
+              <a:t>most likely to work with</a:t>
+            </a:r>
+            <a:br>
+              <a:rPr lang="en-US" sz="2800" dirty="0"/>
+            </a:br>
+            <a:r>
+              <a:rPr lang="en-US" sz="2800" dirty="0"/>
+              <a:t>the most often</a:t>
+            </a:r>
+          </a:p>
+        </p:txBody>
+      </p:sp>
+    </p:spTree>
+    <p:extLst>
+      <p:ext uri="{BB962C8B-B14F-4D97-AF65-F5344CB8AC3E}">
+        <p14:creationId xmlns:p14="http://schemas.microsoft.com/office/powerpoint/2010/main" val="1076625757"/>
+      </p:ext>
+    </p:extLst>
+  </p:cSld>
+  <p:clrMapOvr>
+    <a:masterClrMapping/>
+  </p:clrMapOvr>
+</p:sld>
+</file>
+
+<file path=ppt/slides/slide16.xml><?xml version="1.0" encoding="utf-8"?>
+<p:sld xmlns:a="http://schemas.openxmlformats.org/drawingml/2006/main" xmlns:r="http://schemas.openxmlformats.org/officeDocument/2006/relationships" xmlns:p="http://schemas.openxmlformats.org/presentationml/2006/main">
+  <p:cSld>
+    <p:spTree>
+      <p:nvGrpSpPr>
+        <p:cNvPr id="1" name=""/>
+        <p:cNvGrpSpPr/>
+        <p:nvPr/>
+      </p:nvGrpSpPr>
+      <p:grpSpPr>
+        <a:xfrm>
+          <a:off x="0" y="0"/>
+          <a:ext cx="0" cy="0"/>
+          <a:chOff x="0" y="0"/>
+          <a:chExt cx="0" cy="0"/>
+        </a:xfrm>
+      </p:grpSpPr>
+      <p:sp>
+        <p:nvSpPr>
+          <p:cNvPr id="3" name="Content Placeholder 2">
+            <a:extLst>
+              <a:ext uri="{FF2B5EF4-FFF2-40B4-BE49-F238E27FC236}">
+                <a16:creationId xmlns:a16="http://schemas.microsoft.com/office/drawing/2014/main" id="{46788B64-0D05-4F95-9E09-8F7E078A72E1}"/>
+              </a:ext>
+            </a:extLst>
+          </p:cNvPr>
+          <p:cNvSpPr>
+            <a:spLocks noGrp="1"/>
+          </p:cNvSpPr>
+          <p:nvPr>
+            <p:ph idx="1"/>
+          </p:nvPr>
+        </p:nvSpPr>
+        <p:spPr>
+          <a:xfrm>
+            <a:off x="685800" y="1416937"/>
+            <a:ext cx="10820400" cy="4024125"/>
+          </a:xfrm>
+        </p:spPr>
+        <p:txBody>
+          <a:bodyPr>
+            <a:normAutofit/>
+          </a:bodyPr>
+          <a:lstStyle/>
+          <a:p>
+            <a:pPr marL="0" indent="0" algn="ctr">
+              <a:buNone/>
+            </a:pPr>
+            <a:r>
+              <a:rPr lang="en-US" sz="4400" dirty="0"/>
+              <a:t>The only good way to refactor</a:t>
+            </a:r>
+          </a:p>
+          <a:p>
+            <a:pPr marL="0" indent="0" algn="ctr">
+              <a:buNone/>
+            </a:pPr>
+            <a:r>
+              <a:rPr lang="en-US" sz="4400" dirty="0"/>
+              <a:t>Is in a </a:t>
+            </a:r>
+            <a:r>
+              <a:rPr lang="en-US" sz="4400" b="1" dirty="0"/>
+              <a:t>small easy step</a:t>
+            </a:r>
+          </a:p>
+          <a:p>
+            <a:pPr marL="0" indent="0" algn="ctr">
+              <a:buNone/>
+            </a:pPr>
+            <a:r>
+              <a:rPr lang="en-US" sz="4400" dirty="0"/>
+              <a:t>Then repeat in tight loops</a:t>
+            </a:r>
+          </a:p>
+          <a:p>
+            <a:pPr marL="0" indent="0" algn="ctr">
+              <a:buNone/>
+            </a:pPr>
+            <a:endParaRPr lang="en-US" sz="4000" dirty="0"/>
+          </a:p>
+          <a:p>
+            <a:pPr marL="0" indent="0" algn="ctr">
+              <a:buNone/>
+            </a:pPr>
+            <a:r>
+              <a:rPr lang="en-US" sz="3200" dirty="0"/>
+              <a:t>Five refactors at 99% confidence</a:t>
+            </a:r>
+          </a:p>
+          <a:p>
+            <a:pPr marL="0" indent="0" algn="ctr">
+              <a:buNone/>
+            </a:pPr>
+            <a:r>
+              <a:rPr lang="en-US" sz="3200" dirty="0"/>
+              <a:t>are better than one big refactor at 80% confidence</a:t>
+            </a:r>
+          </a:p>
+        </p:txBody>
+      </p:sp>
+    </p:spTree>
+    <p:extLst>
+      <p:ext uri="{BB962C8B-B14F-4D97-AF65-F5344CB8AC3E}">
+        <p14:creationId xmlns:p14="http://schemas.microsoft.com/office/powerpoint/2010/main" val="3549367988"/>
+      </p:ext>
+    </p:extLst>
+  </p:cSld>
+  <p:clrMapOvr>
+    <a:masterClrMapping/>
+  </p:clrMapOvr>
+</p:sld>
+</file>
+
+<file path=ppt/slides/slide17.xml><?xml version="1.0" encoding="utf-8"?>
+<p:sld xmlns:a="http://schemas.openxmlformats.org/drawingml/2006/main" xmlns:r="http://schemas.openxmlformats.org/officeDocument/2006/relationships" xmlns:p="http://schemas.openxmlformats.org/presentationml/2006/main">
+  <p:cSld>
+    <p:spTree>
+      <p:nvGrpSpPr>
+        <p:cNvPr id="1" name=""/>
+        <p:cNvGrpSpPr/>
+        <p:nvPr/>
+      </p:nvGrpSpPr>
+      <p:grpSpPr>
+        <a:xfrm>
+          <a:off x="0" y="0"/>
+          <a:ext cx="0" cy="0"/>
+          <a:chOff x="0" y="0"/>
+          <a:chExt cx="0" cy="0"/>
+        </a:xfrm>
+      </p:grpSpPr>
+      <p:sp>
+        <p:nvSpPr>
           <p:cNvPr id="3" name="Content Placeholder 2">
             <a:extLst>
               <a:ext uri="{FF2B5EF4-FFF2-40B4-BE49-F238E27FC236}">
@@ -7205,7 +7960,7 @@
 </p:sld>
 </file>
 
-<file path=ppt/slides/slide12.xml><?xml version="1.0" encoding="utf-8"?>
+<file path=ppt/slides/slide18.xml><?xml version="1.0" encoding="utf-8"?>
 <p:sld xmlns:a="http://schemas.openxmlformats.org/drawingml/2006/main" xmlns:r="http://schemas.openxmlformats.org/officeDocument/2006/relationships" xmlns:p="http://schemas.openxmlformats.org/presentationml/2006/main">
   <p:cSld>
     <p:spTree>
@@ -7479,7 +8234,7 @@
 </p:sld>
 </file>
 
-<file path=ppt/slides/slide13.xml><?xml version="1.0" encoding="utf-8"?>
+<file path=ppt/slides/slide19.xml><?xml version="1.0" encoding="utf-8"?>
 <p:sld xmlns:a="http://schemas.openxmlformats.org/drawingml/2006/main" xmlns:r="http://schemas.openxmlformats.org/officeDocument/2006/relationships" xmlns:p="http://schemas.openxmlformats.org/presentationml/2006/main">
   <p:cSld>
     <p:spTree>
@@ -7605,7 +8360,7 @@
 </p:sld>
 </file>
 
-<file path=ppt/slides/slide14.xml><?xml version="1.0" encoding="utf-8"?>
+<file path=ppt/slides/slide2.xml><?xml version="1.0" encoding="utf-8"?>
 <p:sld xmlns:a="http://schemas.openxmlformats.org/drawingml/2006/main" xmlns:r="http://schemas.openxmlformats.org/officeDocument/2006/relationships" xmlns:p="http://schemas.openxmlformats.org/presentationml/2006/main">
   <p:cSld>
     <p:spTree>
@@ -7627,7 +8382,7 @@
           <p:cNvPr id="2" name="Title 1">
             <a:extLst>
               <a:ext uri="{FF2B5EF4-FFF2-40B4-BE49-F238E27FC236}">
-                <a16:creationId xmlns:a16="http://schemas.microsoft.com/office/drawing/2014/main" id="{8576E855-9537-4ECB-A08D-CEBA5852B6E2}"/>
+                <a16:creationId xmlns:a16="http://schemas.microsoft.com/office/drawing/2014/main" id="{4BD8F8F8-5190-41E6-8517-E4986EDBF673}"/>
               </a:ext>
             </a:extLst>
           </p:cNvPr>
@@ -7638,83 +8393,48 @@
             <p:ph type="title"/>
           </p:nvPr>
         </p:nvSpPr>
-        <p:spPr>
-          <a:xfrm>
-            <a:off x="4800600" y="1627972"/>
-            <a:ext cx="2590799" cy="1293028"/>
-          </a:xfrm>
-        </p:spPr>
-        <p:txBody>
-          <a:bodyPr>
-            <a:normAutofit/>
-          </a:bodyPr>
-          <a:lstStyle/>
-          <a:p>
-            <a:pPr algn="ctr"/>
-            <a:r>
-              <a:rPr lang="en-US" dirty="0" err="1"/>
-              <a:t>DEMo</a:t>
-            </a:r>
-            <a:endParaRPr lang="en-US" dirty="0"/>
-          </a:p>
-        </p:txBody>
-      </p:sp>
-      <p:sp>
-        <p:nvSpPr>
-          <p:cNvPr id="4" name="Content Placeholder 2">
+        <p:spPr/>
+        <p:txBody>
+          <a:bodyPr/>
+          <a:lstStyle/>
+          <a:p>
+            <a:endParaRPr lang="en-US"/>
+          </a:p>
+        </p:txBody>
+      </p:sp>
+      <p:pic>
+        <p:nvPicPr>
+          <p:cNvPr id="5" name="Content Placeholder 4" descr="A screenshot of a cell phone&#10;&#10;Description automatically generated">
             <a:extLst>
               <a:ext uri="{FF2B5EF4-FFF2-40B4-BE49-F238E27FC236}">
-                <a16:creationId xmlns:a16="http://schemas.microsoft.com/office/drawing/2014/main" id="{A57E31B4-ECF1-470E-A516-01A7074D8512}"/>
+                <a16:creationId xmlns:a16="http://schemas.microsoft.com/office/drawing/2014/main" id="{7A7436B0-F38F-4DBF-83F8-40EB3B48EC1E}"/>
               </a:ext>
             </a:extLst>
           </p:cNvPr>
-          <p:cNvSpPr>
-            <a:spLocks noGrp="1"/>
-          </p:cNvSpPr>
+          <p:cNvPicPr>
+            <a:picLocks noGrp="1" noChangeAspect="1"/>
+          </p:cNvPicPr>
           <p:nvPr>
             <p:ph idx="1"/>
           </p:nvPr>
-        </p:nvSpPr>
-        <p:spPr>
-          <a:xfrm>
-            <a:off x="685800" y="3429000"/>
-            <a:ext cx="10820400" cy="2789685"/>
-          </a:xfrm>
-        </p:spPr>
-        <p:txBody>
-          <a:bodyPr>
-            <a:normAutofit/>
-          </a:bodyPr>
-          <a:lstStyle/>
-          <a:p>
-            <a:pPr marL="0" indent="0" algn="ctr">
-              <a:buNone/>
-            </a:pPr>
-            <a:r>
-              <a:rPr lang="en-US" sz="4800" i="1" dirty="0"/>
-              <a:t>Please call out “too fast” </a:t>
-            </a:r>
-            <a:br>
-              <a:rPr lang="en-US" sz="4800" i="1" dirty="0"/>
-            </a:br>
-            <a:r>
-              <a:rPr lang="en-US" sz="4800" i="1" dirty="0"/>
-              <a:t>if you want to see </a:t>
-            </a:r>
-            <a:br>
-              <a:rPr lang="en-US" sz="4800" i="1" dirty="0"/>
-            </a:br>
-            <a:r>
-              <a:rPr lang="en-US" sz="4800" i="1" dirty="0"/>
-              <a:t>a refactoring over again</a:t>
-            </a:r>
-          </a:p>
-        </p:txBody>
-      </p:sp>
+        </p:nvPicPr>
+        <p:blipFill>
+          <a:blip r:embed="rId2"/>
+          <a:stretch>
+            <a:fillRect/>
+          </a:stretch>
+        </p:blipFill>
+        <p:spPr>
+          <a:xfrm>
+            <a:off x="-26489" y="2255520"/>
+            <a:ext cx="12218490" cy="4602480"/>
+          </a:xfrm>
+        </p:spPr>
+      </p:pic>
     </p:spTree>
     <p:extLst>
       <p:ext uri="{BB962C8B-B14F-4D97-AF65-F5344CB8AC3E}">
-        <p14:creationId xmlns:p14="http://schemas.microsoft.com/office/powerpoint/2010/main" val="3361422793"/>
+        <p14:creationId xmlns:p14="http://schemas.microsoft.com/office/powerpoint/2010/main" val="1226077401"/>
       </p:ext>
     </p:extLst>
   </p:cSld>
@@ -7724,7 +8444,7 @@
 </p:sld>
 </file>
 
-<file path=ppt/slides/slide15.xml><?xml version="1.0" encoding="utf-8"?>
+<file path=ppt/slides/slide20.xml><?xml version="1.0" encoding="utf-8"?>
 <p:sld xmlns:a="http://schemas.openxmlformats.org/drawingml/2006/main" xmlns:r="http://schemas.openxmlformats.org/officeDocument/2006/relationships" xmlns:p="http://schemas.openxmlformats.org/presentationml/2006/main">
   <p:cSld>
     <p:spTree>
@@ -7746,6 +8466,125 @@
           <p:cNvPr id="2" name="Title 1">
             <a:extLst>
               <a:ext uri="{FF2B5EF4-FFF2-40B4-BE49-F238E27FC236}">
+                <a16:creationId xmlns:a16="http://schemas.microsoft.com/office/drawing/2014/main" id="{8576E855-9537-4ECB-A08D-CEBA5852B6E2}"/>
+              </a:ext>
+            </a:extLst>
+          </p:cNvPr>
+          <p:cNvSpPr>
+            <a:spLocks noGrp="1"/>
+          </p:cNvSpPr>
+          <p:nvPr>
+            <p:ph type="title"/>
+          </p:nvPr>
+        </p:nvSpPr>
+        <p:spPr>
+          <a:xfrm>
+            <a:off x="4800600" y="1627972"/>
+            <a:ext cx="2590799" cy="1293028"/>
+          </a:xfrm>
+        </p:spPr>
+        <p:txBody>
+          <a:bodyPr>
+            <a:normAutofit/>
+          </a:bodyPr>
+          <a:lstStyle/>
+          <a:p>
+            <a:pPr algn="ctr"/>
+            <a:r>
+              <a:rPr lang="en-US" dirty="0" err="1"/>
+              <a:t>DEMo</a:t>
+            </a:r>
+            <a:endParaRPr lang="en-US" dirty="0"/>
+          </a:p>
+        </p:txBody>
+      </p:sp>
+      <p:sp>
+        <p:nvSpPr>
+          <p:cNvPr id="4" name="Content Placeholder 2">
+            <a:extLst>
+              <a:ext uri="{FF2B5EF4-FFF2-40B4-BE49-F238E27FC236}">
+                <a16:creationId xmlns:a16="http://schemas.microsoft.com/office/drawing/2014/main" id="{A57E31B4-ECF1-470E-A516-01A7074D8512}"/>
+              </a:ext>
+            </a:extLst>
+          </p:cNvPr>
+          <p:cNvSpPr>
+            <a:spLocks noGrp="1"/>
+          </p:cNvSpPr>
+          <p:nvPr>
+            <p:ph idx="1"/>
+          </p:nvPr>
+        </p:nvSpPr>
+        <p:spPr>
+          <a:xfrm>
+            <a:off x="685800" y="3429000"/>
+            <a:ext cx="10820400" cy="2789685"/>
+          </a:xfrm>
+        </p:spPr>
+        <p:txBody>
+          <a:bodyPr>
+            <a:normAutofit/>
+          </a:bodyPr>
+          <a:lstStyle/>
+          <a:p>
+            <a:pPr marL="0" indent="0" algn="ctr">
+              <a:buNone/>
+            </a:pPr>
+            <a:r>
+              <a:rPr lang="en-US" sz="4800" i="1" dirty="0"/>
+              <a:t>Please call out “too fast” </a:t>
+            </a:r>
+            <a:br>
+              <a:rPr lang="en-US" sz="4800" i="1" dirty="0"/>
+            </a:br>
+            <a:r>
+              <a:rPr lang="en-US" sz="4800" i="1" dirty="0"/>
+              <a:t>if you want to see </a:t>
+            </a:r>
+            <a:br>
+              <a:rPr lang="en-US" sz="4800" i="1" dirty="0"/>
+            </a:br>
+            <a:r>
+              <a:rPr lang="en-US" sz="4800" i="1" dirty="0"/>
+              <a:t>a refactoring over again</a:t>
+            </a:r>
+          </a:p>
+        </p:txBody>
+      </p:sp>
+    </p:spTree>
+    <p:extLst>
+      <p:ext uri="{BB962C8B-B14F-4D97-AF65-F5344CB8AC3E}">
+        <p14:creationId xmlns:p14="http://schemas.microsoft.com/office/powerpoint/2010/main" val="3361422793"/>
+      </p:ext>
+    </p:extLst>
+  </p:cSld>
+  <p:clrMapOvr>
+    <a:masterClrMapping/>
+  </p:clrMapOvr>
+</p:sld>
+</file>
+
+<file path=ppt/slides/slide21.xml><?xml version="1.0" encoding="utf-8"?>
+<p:sld xmlns:a="http://schemas.openxmlformats.org/drawingml/2006/main" xmlns:r="http://schemas.openxmlformats.org/officeDocument/2006/relationships" xmlns:p="http://schemas.openxmlformats.org/presentationml/2006/main">
+  <p:cSld>
+    <p:spTree>
+      <p:nvGrpSpPr>
+        <p:cNvPr id="1" name=""/>
+        <p:cNvGrpSpPr/>
+        <p:nvPr/>
+      </p:nvGrpSpPr>
+      <p:grpSpPr>
+        <a:xfrm>
+          <a:off x="0" y="0"/>
+          <a:ext cx="0" cy="0"/>
+          <a:chOff x="0" y="0"/>
+          <a:chExt cx="0" cy="0"/>
+        </a:xfrm>
+      </p:grpSpPr>
+      <p:sp>
+        <p:nvSpPr>
+          <p:cNvPr id="2" name="Title 1">
+            <a:extLst>
+              <a:ext uri="{FF2B5EF4-FFF2-40B4-BE49-F238E27FC236}">
                 <a16:creationId xmlns:a16="http://schemas.microsoft.com/office/drawing/2014/main" id="{BA04255A-C881-41F5-89E0-4BF6E9E69762}"/>
               </a:ext>
             </a:extLst>
@@ -7801,7 +8640,7 @@
         <p:spPr>
           <a:xfrm>
             <a:off x="287866" y="1712379"/>
-            <a:ext cx="11616267" cy="4707465"/>
+            <a:ext cx="11616267" cy="4603513"/>
           </a:xfrm>
         </p:spPr>
         <p:txBody>
@@ -7887,18 +8726,6 @@
             </a:r>
           </a:p>
           <a:p>
-            <a:endParaRPr lang="en-US" dirty="0"/>
-          </a:p>
-          <a:p>
-            <a:endParaRPr lang="en-US" dirty="0"/>
-          </a:p>
-          <a:p>
-            <a:endParaRPr lang="en-US" dirty="0"/>
-          </a:p>
-          <a:p>
-            <a:endParaRPr lang="en-US" dirty="0"/>
-          </a:p>
-          <a:p>
             <a:pPr marL="0" indent="0">
               <a:buNone/>
             </a:pPr>
@@ -7965,25 +8792,8 @@
           <a:p>
             <a:r>
               <a:rPr lang="en-US" dirty="0"/>
-              <a:t>6 steps to add dependency injection </a:t>
-            </a:r>
-          </a:p>
-          <a:p>
-            <a:pPr lvl="1"/>
-            <a:endParaRPr lang="en-US" sz="2200" dirty="0"/>
-          </a:p>
-          <a:p>
-            <a:pPr marL="457200" lvl="1" indent="0">
-              <a:buNone/>
-            </a:pPr>
-            <a:endParaRPr lang="en-US" sz="2200" dirty="0"/>
-          </a:p>
-          <a:p>
-            <a:pPr lvl="1"/>
-            <a:endParaRPr lang="en-US" sz="2200" dirty="0"/>
-          </a:p>
-          <a:p>
-            <a:endParaRPr lang="en-US" dirty="0"/>
+              <a:t>7 steps to add dependency injection</a:t>
+            </a:r>
           </a:p>
         </p:txBody>
       </p:sp>
@@ -8231,7 +9041,7 @@
 </p:sld>
 </file>
 
-<file path=ppt/slides/slide2.xml><?xml version="1.0" encoding="utf-8"?>
+<file path=ppt/slides/slide22.xml><?xml version="1.0" encoding="utf-8"?>
 <p:sld xmlns:a="http://schemas.openxmlformats.org/drawingml/2006/main" xmlns:r="http://schemas.openxmlformats.org/officeDocument/2006/relationships" xmlns:p="http://schemas.openxmlformats.org/presentationml/2006/main">
   <p:cSld>
     <p:spTree>
@@ -8253,6 +9063,539 @@
           <p:cNvPr id="2" name="Title 1">
             <a:extLst>
               <a:ext uri="{FF2B5EF4-FFF2-40B4-BE49-F238E27FC236}">
+                <a16:creationId xmlns:a16="http://schemas.microsoft.com/office/drawing/2014/main" id="{5509AEB2-B78E-4FDD-9D80-3A28B60F1FB3}"/>
+              </a:ext>
+            </a:extLst>
+          </p:cNvPr>
+          <p:cNvSpPr>
+            <a:spLocks noGrp="1"/>
+          </p:cNvSpPr>
+          <p:nvPr>
+            <p:ph type="title"/>
+          </p:nvPr>
+        </p:nvSpPr>
+        <p:spPr/>
+        <p:txBody>
+          <a:bodyPr/>
+          <a:lstStyle/>
+          <a:p>
+            <a:r>
+              <a:rPr lang="en-US" dirty="0"/>
+              <a:t>For more…</a:t>
+            </a:r>
+          </a:p>
+        </p:txBody>
+      </p:sp>
+      <p:sp>
+        <p:nvSpPr>
+          <p:cNvPr id="4" name="Subtitle 2">
+            <a:extLst>
+              <a:ext uri="{FF2B5EF4-FFF2-40B4-BE49-F238E27FC236}">
+                <a16:creationId xmlns:a16="http://schemas.microsoft.com/office/drawing/2014/main" id="{25F9CD71-A1D1-43BC-B07B-A89677804CCF}"/>
+              </a:ext>
+            </a:extLst>
+          </p:cNvPr>
+          <p:cNvSpPr txBox="1">
+            <a:spLocks/>
+          </p:cNvSpPr>
+          <p:nvPr/>
+        </p:nvSpPr>
+        <p:spPr>
+          <a:xfrm>
+            <a:off x="1422399" y="6315892"/>
+            <a:ext cx="9347200" cy="876311"/>
+          </a:xfrm>
+          <a:prstGeom prst="rect">
+            <a:avLst/>
+          </a:prstGeom>
+        </p:spPr>
+        <p:txBody>
+          <a:bodyPr vert="horz" lIns="91440" tIns="45720" rIns="91440" bIns="45720" rtlCol="0">
+            <a:normAutofit/>
+          </a:bodyPr>
+          <a:lstStyle>
+            <a:lvl1pPr marL="228600" indent="-228600" algn="l" defTabSz="914400" rtl="0" eaLnBrk="1" latinLnBrk="0" hangingPunct="1">
+              <a:lnSpc>
+                <a:spcPct val="90000"/>
+              </a:lnSpc>
+              <a:spcBef>
+                <a:spcPts val="1000"/>
+              </a:spcBef>
+              <a:buFont typeface="Arial" panose="020B0604020202020204" pitchFamily="34" charset="0"/>
+              <a:buChar char="•"/>
+              <a:defRPr sz="2200" kern="1200">
+                <a:solidFill>
+                  <a:schemeClr val="tx1"/>
+                </a:solidFill>
+                <a:latin typeface="+mn-lt"/>
+                <a:ea typeface="+mn-ea"/>
+                <a:cs typeface="+mn-cs"/>
+              </a:defRPr>
+            </a:lvl1pPr>
+            <a:lvl2pPr marL="685800" indent="-228600" algn="l" defTabSz="914400" rtl="0" eaLnBrk="1" latinLnBrk="0" hangingPunct="1">
+              <a:lnSpc>
+                <a:spcPct val="90000"/>
+              </a:lnSpc>
+              <a:spcBef>
+                <a:spcPts val="500"/>
+              </a:spcBef>
+              <a:buFont typeface="Arial" panose="020B0604020202020204" pitchFamily="34" charset="0"/>
+              <a:buChar char="•"/>
+              <a:defRPr sz="2000" kern="1200">
+                <a:solidFill>
+                  <a:schemeClr val="tx1"/>
+                </a:solidFill>
+                <a:latin typeface="+mn-lt"/>
+                <a:ea typeface="+mn-ea"/>
+                <a:cs typeface="+mn-cs"/>
+              </a:defRPr>
+            </a:lvl2pPr>
+            <a:lvl3pPr marL="1143000" indent="-228600" algn="l" defTabSz="914400" rtl="0" eaLnBrk="1" latinLnBrk="0" hangingPunct="1">
+              <a:lnSpc>
+                <a:spcPct val="90000"/>
+              </a:lnSpc>
+              <a:spcBef>
+                <a:spcPts val="500"/>
+              </a:spcBef>
+              <a:buFont typeface="Arial" panose="020B0604020202020204" pitchFamily="34" charset="0"/>
+              <a:buChar char="•"/>
+              <a:defRPr sz="1800" kern="1200">
+                <a:solidFill>
+                  <a:schemeClr val="tx1"/>
+                </a:solidFill>
+                <a:latin typeface="+mn-lt"/>
+                <a:ea typeface="+mn-ea"/>
+                <a:cs typeface="+mn-cs"/>
+              </a:defRPr>
+            </a:lvl3pPr>
+            <a:lvl4pPr marL="1600200" indent="-228600" algn="l" defTabSz="914400" rtl="0" eaLnBrk="1" latinLnBrk="0" hangingPunct="1">
+              <a:lnSpc>
+                <a:spcPct val="90000"/>
+              </a:lnSpc>
+              <a:spcBef>
+                <a:spcPts val="500"/>
+              </a:spcBef>
+              <a:buFont typeface="Arial" panose="020B0604020202020204" pitchFamily="34" charset="0"/>
+              <a:buChar char="•"/>
+              <a:defRPr sz="1600" kern="1200">
+                <a:solidFill>
+                  <a:schemeClr val="tx1"/>
+                </a:solidFill>
+                <a:latin typeface="+mn-lt"/>
+                <a:ea typeface="+mn-ea"/>
+                <a:cs typeface="+mn-cs"/>
+              </a:defRPr>
+            </a:lvl4pPr>
+            <a:lvl5pPr marL="2057400" indent="-228600" algn="l" defTabSz="914400" rtl="0" eaLnBrk="1" latinLnBrk="0" hangingPunct="1">
+              <a:lnSpc>
+                <a:spcPct val="90000"/>
+              </a:lnSpc>
+              <a:spcBef>
+                <a:spcPts val="500"/>
+              </a:spcBef>
+              <a:buFont typeface="Arial" panose="020B0604020202020204" pitchFamily="34" charset="0"/>
+              <a:buChar char="•"/>
+              <a:defRPr sz="1600" kern="1200">
+                <a:solidFill>
+                  <a:schemeClr val="tx1"/>
+                </a:solidFill>
+                <a:latin typeface="+mn-lt"/>
+                <a:ea typeface="+mn-ea"/>
+                <a:cs typeface="+mn-cs"/>
+              </a:defRPr>
+            </a:lvl5pPr>
+            <a:lvl6pPr marL="2514600" indent="-228600" algn="l" defTabSz="914400" rtl="0" eaLnBrk="1" latinLnBrk="0" hangingPunct="1">
+              <a:lnSpc>
+                <a:spcPct val="90000"/>
+              </a:lnSpc>
+              <a:spcBef>
+                <a:spcPts val="500"/>
+              </a:spcBef>
+              <a:buFont typeface="Arial" panose="020B0604020202020204" pitchFamily="34" charset="0"/>
+              <a:buChar char="•"/>
+              <a:defRPr sz="1600" kern="1200">
+                <a:solidFill>
+                  <a:schemeClr val="tx1"/>
+                </a:solidFill>
+                <a:latin typeface="+mn-lt"/>
+                <a:ea typeface="+mn-ea"/>
+                <a:cs typeface="+mn-cs"/>
+              </a:defRPr>
+            </a:lvl6pPr>
+            <a:lvl7pPr marL="2971800" indent="-228600" algn="l" defTabSz="914400" rtl="0" eaLnBrk="1" latinLnBrk="0" hangingPunct="1">
+              <a:lnSpc>
+                <a:spcPct val="90000"/>
+              </a:lnSpc>
+              <a:spcBef>
+                <a:spcPts val="500"/>
+              </a:spcBef>
+              <a:buFont typeface="Arial" panose="020B0604020202020204" pitchFamily="34" charset="0"/>
+              <a:buChar char="•"/>
+              <a:defRPr sz="1600" kern="1200">
+                <a:solidFill>
+                  <a:schemeClr val="tx1"/>
+                </a:solidFill>
+                <a:latin typeface="+mn-lt"/>
+                <a:ea typeface="+mn-ea"/>
+                <a:cs typeface="+mn-cs"/>
+              </a:defRPr>
+            </a:lvl7pPr>
+            <a:lvl8pPr marL="3429000" indent="-228600" algn="l" defTabSz="914400" rtl="0" eaLnBrk="1" latinLnBrk="0" hangingPunct="1">
+              <a:lnSpc>
+                <a:spcPct val="90000"/>
+              </a:lnSpc>
+              <a:spcBef>
+                <a:spcPts val="500"/>
+              </a:spcBef>
+              <a:buFont typeface="Arial" panose="020B0604020202020204" pitchFamily="34" charset="0"/>
+              <a:buChar char="•"/>
+              <a:defRPr sz="1600" kern="1200">
+                <a:solidFill>
+                  <a:schemeClr val="tx1"/>
+                </a:solidFill>
+                <a:latin typeface="+mn-lt"/>
+                <a:ea typeface="+mn-ea"/>
+                <a:cs typeface="+mn-cs"/>
+              </a:defRPr>
+            </a:lvl8pPr>
+            <a:lvl9pPr marL="3886200" indent="-228600" algn="l" defTabSz="914400" rtl="0" eaLnBrk="1" latinLnBrk="0" hangingPunct="1">
+              <a:lnSpc>
+                <a:spcPct val="90000"/>
+              </a:lnSpc>
+              <a:spcBef>
+                <a:spcPts val="500"/>
+              </a:spcBef>
+              <a:buFont typeface="Arial" panose="020B0604020202020204" pitchFamily="34" charset="0"/>
+              <a:buChar char="•"/>
+              <a:defRPr sz="1600" kern="1200">
+                <a:solidFill>
+                  <a:schemeClr val="tx1"/>
+                </a:solidFill>
+                <a:latin typeface="+mn-lt"/>
+                <a:ea typeface="+mn-ea"/>
+                <a:cs typeface="+mn-cs"/>
+              </a:defRPr>
+            </a:lvl9pPr>
+          </a:lstStyle>
+          <a:p>
+            <a:pPr marL="0" indent="0" algn="ctr">
+              <a:buNone/>
+            </a:pPr>
+            <a:r>
+              <a:rPr lang="en-US" b="1" dirty="0">
+                <a:solidFill>
+                  <a:schemeClr val="accent3">
+                    <a:lumMod val="40000"/>
+                    <a:lumOff val="60000"/>
+                  </a:schemeClr>
+                </a:solidFill>
+              </a:rPr>
+              <a:t>Patrick Szalapski | @</a:t>
+            </a:r>
+            <a:r>
+              <a:rPr lang="en-US" b="1" dirty="0" err="1">
+                <a:solidFill>
+                  <a:schemeClr val="accent3">
+                    <a:lumMod val="40000"/>
+                    <a:lumOff val="60000"/>
+                  </a:schemeClr>
+                </a:solidFill>
+              </a:rPr>
+              <a:t>szalapski</a:t>
+            </a:r>
+            <a:r>
+              <a:rPr lang="en-US" b="1" dirty="0">
+                <a:solidFill>
+                  <a:schemeClr val="accent3">
+                    <a:lumMod val="40000"/>
+                    <a:lumOff val="60000"/>
+                  </a:schemeClr>
+                </a:solidFill>
+              </a:rPr>
+              <a:t> | szalapski.com</a:t>
+            </a:r>
+          </a:p>
+        </p:txBody>
+      </p:sp>
+      <p:sp>
+        <p:nvSpPr>
+          <p:cNvPr id="5" name="Content Placeholder 2">
+            <a:extLst>
+              <a:ext uri="{FF2B5EF4-FFF2-40B4-BE49-F238E27FC236}">
+                <a16:creationId xmlns:a16="http://schemas.microsoft.com/office/drawing/2014/main" id="{93E19E16-7683-45EF-B1B0-C4463470FBAD}"/>
+              </a:ext>
+            </a:extLst>
+          </p:cNvPr>
+          <p:cNvSpPr txBox="1">
+            <a:spLocks/>
+          </p:cNvSpPr>
+          <p:nvPr/>
+        </p:nvSpPr>
+        <p:spPr>
+          <a:xfrm>
+            <a:off x="685800" y="2791804"/>
+            <a:ext cx="10820400" cy="2789685"/>
+          </a:xfrm>
+          <a:prstGeom prst="rect">
+            <a:avLst/>
+          </a:prstGeom>
+        </p:spPr>
+        <p:txBody>
+          <a:bodyPr vert="horz" lIns="91440" tIns="45720" rIns="91440" bIns="45720" rtlCol="0">
+            <a:normAutofit/>
+          </a:bodyPr>
+          <a:lstStyle>
+            <a:lvl1pPr marL="228600" indent="-228600" algn="l" defTabSz="914400" rtl="0" eaLnBrk="1" latinLnBrk="0" hangingPunct="1">
+              <a:lnSpc>
+                <a:spcPct val="90000"/>
+              </a:lnSpc>
+              <a:spcBef>
+                <a:spcPts val="1000"/>
+              </a:spcBef>
+              <a:buFont typeface="Arial" panose="020B0604020202020204" pitchFamily="34" charset="0"/>
+              <a:buChar char="•"/>
+              <a:defRPr sz="2200" kern="1200">
+                <a:solidFill>
+                  <a:schemeClr val="tx1"/>
+                </a:solidFill>
+                <a:latin typeface="+mn-lt"/>
+                <a:ea typeface="+mn-ea"/>
+                <a:cs typeface="+mn-cs"/>
+              </a:defRPr>
+            </a:lvl1pPr>
+            <a:lvl2pPr marL="685800" indent="-228600" algn="l" defTabSz="914400" rtl="0" eaLnBrk="1" latinLnBrk="0" hangingPunct="1">
+              <a:lnSpc>
+                <a:spcPct val="90000"/>
+              </a:lnSpc>
+              <a:spcBef>
+                <a:spcPts val="500"/>
+              </a:spcBef>
+              <a:buFont typeface="Arial" panose="020B0604020202020204" pitchFamily="34" charset="0"/>
+              <a:buChar char="•"/>
+              <a:defRPr sz="2000" kern="1200">
+                <a:solidFill>
+                  <a:schemeClr val="tx1"/>
+                </a:solidFill>
+                <a:latin typeface="+mn-lt"/>
+                <a:ea typeface="+mn-ea"/>
+                <a:cs typeface="+mn-cs"/>
+              </a:defRPr>
+            </a:lvl2pPr>
+            <a:lvl3pPr marL="1143000" indent="-228600" algn="l" defTabSz="914400" rtl="0" eaLnBrk="1" latinLnBrk="0" hangingPunct="1">
+              <a:lnSpc>
+                <a:spcPct val="90000"/>
+              </a:lnSpc>
+              <a:spcBef>
+                <a:spcPts val="500"/>
+              </a:spcBef>
+              <a:buFont typeface="Arial" panose="020B0604020202020204" pitchFamily="34" charset="0"/>
+              <a:buChar char="•"/>
+              <a:defRPr sz="1800" kern="1200">
+                <a:solidFill>
+                  <a:schemeClr val="tx1"/>
+                </a:solidFill>
+                <a:latin typeface="+mn-lt"/>
+                <a:ea typeface="+mn-ea"/>
+                <a:cs typeface="+mn-cs"/>
+              </a:defRPr>
+            </a:lvl3pPr>
+            <a:lvl4pPr marL="1600200" indent="-228600" algn="l" defTabSz="914400" rtl="0" eaLnBrk="1" latinLnBrk="0" hangingPunct="1">
+              <a:lnSpc>
+                <a:spcPct val="90000"/>
+              </a:lnSpc>
+              <a:spcBef>
+                <a:spcPts val="500"/>
+              </a:spcBef>
+              <a:buFont typeface="Arial" panose="020B0604020202020204" pitchFamily="34" charset="0"/>
+              <a:buChar char="•"/>
+              <a:defRPr sz="1600" kern="1200">
+                <a:solidFill>
+                  <a:schemeClr val="tx1"/>
+                </a:solidFill>
+                <a:latin typeface="+mn-lt"/>
+                <a:ea typeface="+mn-ea"/>
+                <a:cs typeface="+mn-cs"/>
+              </a:defRPr>
+            </a:lvl4pPr>
+            <a:lvl5pPr marL="2057400" indent="-228600" algn="l" defTabSz="914400" rtl="0" eaLnBrk="1" latinLnBrk="0" hangingPunct="1">
+              <a:lnSpc>
+                <a:spcPct val="90000"/>
+              </a:lnSpc>
+              <a:spcBef>
+                <a:spcPts val="500"/>
+              </a:spcBef>
+              <a:buFont typeface="Arial" panose="020B0604020202020204" pitchFamily="34" charset="0"/>
+              <a:buChar char="•"/>
+              <a:defRPr sz="1600" kern="1200">
+                <a:solidFill>
+                  <a:schemeClr val="tx1"/>
+                </a:solidFill>
+                <a:latin typeface="+mn-lt"/>
+                <a:ea typeface="+mn-ea"/>
+                <a:cs typeface="+mn-cs"/>
+              </a:defRPr>
+            </a:lvl5pPr>
+            <a:lvl6pPr marL="2514600" indent="-228600" algn="l" defTabSz="914400" rtl="0" eaLnBrk="1" latinLnBrk="0" hangingPunct="1">
+              <a:lnSpc>
+                <a:spcPct val="90000"/>
+              </a:lnSpc>
+              <a:spcBef>
+                <a:spcPts val="500"/>
+              </a:spcBef>
+              <a:buFont typeface="Arial" panose="020B0604020202020204" pitchFamily="34" charset="0"/>
+              <a:buChar char="•"/>
+              <a:defRPr sz="1600" kern="1200">
+                <a:solidFill>
+                  <a:schemeClr val="tx1"/>
+                </a:solidFill>
+                <a:latin typeface="+mn-lt"/>
+                <a:ea typeface="+mn-ea"/>
+                <a:cs typeface="+mn-cs"/>
+              </a:defRPr>
+            </a:lvl6pPr>
+            <a:lvl7pPr marL="2971800" indent="-228600" algn="l" defTabSz="914400" rtl="0" eaLnBrk="1" latinLnBrk="0" hangingPunct="1">
+              <a:lnSpc>
+                <a:spcPct val="90000"/>
+              </a:lnSpc>
+              <a:spcBef>
+                <a:spcPts val="500"/>
+              </a:spcBef>
+              <a:buFont typeface="Arial" panose="020B0604020202020204" pitchFamily="34" charset="0"/>
+              <a:buChar char="•"/>
+              <a:defRPr sz="1600" kern="1200">
+                <a:solidFill>
+                  <a:schemeClr val="tx1"/>
+                </a:solidFill>
+                <a:latin typeface="+mn-lt"/>
+                <a:ea typeface="+mn-ea"/>
+                <a:cs typeface="+mn-cs"/>
+              </a:defRPr>
+            </a:lvl7pPr>
+            <a:lvl8pPr marL="3429000" indent="-228600" algn="l" defTabSz="914400" rtl="0" eaLnBrk="1" latinLnBrk="0" hangingPunct="1">
+              <a:lnSpc>
+                <a:spcPct val="90000"/>
+              </a:lnSpc>
+              <a:spcBef>
+                <a:spcPts val="500"/>
+              </a:spcBef>
+              <a:buFont typeface="Arial" panose="020B0604020202020204" pitchFamily="34" charset="0"/>
+              <a:buChar char="•"/>
+              <a:defRPr sz="1600" kern="1200">
+                <a:solidFill>
+                  <a:schemeClr val="tx1"/>
+                </a:solidFill>
+                <a:latin typeface="+mn-lt"/>
+                <a:ea typeface="+mn-ea"/>
+                <a:cs typeface="+mn-cs"/>
+              </a:defRPr>
+            </a:lvl8pPr>
+            <a:lvl9pPr marL="3886200" indent="-228600" algn="l" defTabSz="914400" rtl="0" eaLnBrk="1" latinLnBrk="0" hangingPunct="1">
+              <a:lnSpc>
+                <a:spcPct val="90000"/>
+              </a:lnSpc>
+              <a:spcBef>
+                <a:spcPts val="500"/>
+              </a:spcBef>
+              <a:buFont typeface="Arial" panose="020B0604020202020204" pitchFamily="34" charset="0"/>
+              <a:buChar char="•"/>
+              <a:defRPr sz="1600" kern="1200">
+                <a:solidFill>
+                  <a:schemeClr val="tx1"/>
+                </a:solidFill>
+                <a:latin typeface="+mn-lt"/>
+                <a:ea typeface="+mn-ea"/>
+                <a:cs typeface="+mn-cs"/>
+              </a:defRPr>
+            </a:lvl9pPr>
+          </a:lstStyle>
+          <a:p>
+            <a:pPr marL="0" indent="0" algn="ctr">
+              <a:buFont typeface="Arial" panose="020B0604020202020204" pitchFamily="34" charset="0"/>
+              <a:buNone/>
+            </a:pPr>
+            <a:r>
+              <a:rPr lang="en-US" sz="2800" dirty="0"/>
+              <a:t>Code, slides, my favorite </a:t>
+            </a:r>
+            <a:r>
+              <a:rPr lang="en-US" sz="2800" dirty="0" err="1"/>
+              <a:t>refactorings</a:t>
+            </a:r>
+            <a:r>
+              <a:rPr lang="en-US" sz="2800" dirty="0"/>
+              <a:t>, and more links are posted on Szalapski.com: the direct link is…</a:t>
+            </a:r>
+          </a:p>
+          <a:p>
+            <a:pPr marL="0" indent="0" algn="ctr">
+              <a:buFont typeface="Arial" panose="020B0604020202020204" pitchFamily="34" charset="0"/>
+              <a:buNone/>
+            </a:pPr>
+            <a:endParaRPr lang="en-US" sz="3200" i="1" dirty="0">
+              <a:latin typeface="Consolas" panose="020B0609020204030204" pitchFamily="49" charset="0"/>
+            </a:endParaRPr>
+          </a:p>
+          <a:p>
+            <a:pPr marL="0" indent="0" algn="ctr">
+              <a:buNone/>
+            </a:pPr>
+            <a:r>
+              <a:rPr lang="en-US" sz="3200" u="sng" dirty="0">
+                <a:solidFill>
+                  <a:schemeClr val="accent6">
+                    <a:lumMod val="20000"/>
+                    <a:lumOff val="80000"/>
+                  </a:schemeClr>
+                </a:solidFill>
+                <a:latin typeface="Consolas" panose="020B0609020204030204" pitchFamily="49" charset="0"/>
+              </a:rPr>
+              <a:t>tinyurl.com/refactor2020</a:t>
+            </a:r>
+          </a:p>
+          <a:p>
+            <a:pPr marL="0" indent="0" algn="ctr">
+              <a:buFont typeface="Arial" panose="020B0604020202020204" pitchFamily="34" charset="0"/>
+              <a:buNone/>
+            </a:pPr>
+            <a:endParaRPr lang="en-US" sz="3200" i="1" dirty="0"/>
+          </a:p>
+        </p:txBody>
+      </p:sp>
+    </p:spTree>
+    <p:extLst>
+      <p:ext uri="{BB962C8B-B14F-4D97-AF65-F5344CB8AC3E}">
+        <p14:creationId xmlns:p14="http://schemas.microsoft.com/office/powerpoint/2010/main" val="3491626674"/>
+      </p:ext>
+    </p:extLst>
+  </p:cSld>
+  <p:clrMapOvr>
+    <a:masterClrMapping/>
+  </p:clrMapOvr>
+</p:sld>
+</file>
+
+<file path=ppt/slides/slide3.xml><?xml version="1.0" encoding="utf-8"?>
+<p:sld xmlns:a="http://schemas.openxmlformats.org/drawingml/2006/main" xmlns:r="http://schemas.openxmlformats.org/officeDocument/2006/relationships" xmlns:p="http://schemas.openxmlformats.org/presentationml/2006/main">
+  <p:cSld>
+    <p:spTree>
+      <p:nvGrpSpPr>
+        <p:cNvPr id="1" name=""/>
+        <p:cNvGrpSpPr/>
+        <p:nvPr/>
+      </p:nvGrpSpPr>
+      <p:grpSpPr>
+        <a:xfrm>
+          <a:off x="0" y="0"/>
+          <a:ext cx="0" cy="0"/>
+          <a:chOff x="0" y="0"/>
+          <a:chExt cx="0" cy="0"/>
+        </a:xfrm>
+      </p:grpSpPr>
+      <p:sp>
+        <p:nvSpPr>
+          <p:cNvPr id="2" name="Title 1">
+            <a:extLst>
+              <a:ext uri="{FF2B5EF4-FFF2-40B4-BE49-F238E27FC236}">
                 <a16:creationId xmlns:a16="http://schemas.microsoft.com/office/drawing/2014/main" id="{22EED7C0-B20E-4281-BF86-155391D8EDCA}"/>
               </a:ext>
             </a:extLst>
@@ -8269,7 +9612,7 @@
           <a:bodyPr/>
           <a:lstStyle/>
           <a:p>
-            <a:endParaRPr lang="en-US"/>
+            <a:endParaRPr lang="en-US" dirty="0"/>
           </a:p>
         </p:txBody>
       </p:sp>
@@ -8358,116 +9701,6 @@
 </p:sld>
 </file>
 
-<file path=ppt/slides/slide3.xml><?xml version="1.0" encoding="utf-8"?>
-<p:sld xmlns:a="http://schemas.openxmlformats.org/drawingml/2006/main" xmlns:r="http://schemas.openxmlformats.org/officeDocument/2006/relationships" xmlns:p="http://schemas.openxmlformats.org/presentationml/2006/main">
-  <p:cSld>
-    <p:spTree>
-      <p:nvGrpSpPr>
-        <p:cNvPr id="1" name=""/>
-        <p:cNvGrpSpPr/>
-        <p:nvPr/>
-      </p:nvGrpSpPr>
-      <p:grpSpPr>
-        <a:xfrm>
-          <a:off x="0" y="0"/>
-          <a:ext cx="0" cy="0"/>
-          <a:chOff x="0" y="0"/>
-          <a:chExt cx="0" cy="0"/>
-        </a:xfrm>
-      </p:grpSpPr>
-      <p:sp>
-        <p:nvSpPr>
-          <p:cNvPr id="2" name="Title 1">
-            <a:extLst>
-              <a:ext uri="{FF2B5EF4-FFF2-40B4-BE49-F238E27FC236}">
-                <a16:creationId xmlns:a16="http://schemas.microsoft.com/office/drawing/2014/main" id="{F84829F1-CAB6-4448-8D0E-AE3E83C377AF}"/>
-              </a:ext>
-            </a:extLst>
-          </p:cNvPr>
-          <p:cNvSpPr>
-            <a:spLocks noGrp="1"/>
-          </p:cNvSpPr>
-          <p:nvPr>
-            <p:ph type="title"/>
-          </p:nvPr>
-        </p:nvSpPr>
-        <p:spPr/>
-        <p:txBody>
-          <a:bodyPr/>
-          <a:lstStyle/>
-          <a:p>
-            <a:endParaRPr lang="en-US"/>
-          </a:p>
-        </p:txBody>
-      </p:sp>
-      <p:sp>
-        <p:nvSpPr>
-          <p:cNvPr id="3" name="Content Placeholder 2">
-            <a:extLst>
-              <a:ext uri="{FF2B5EF4-FFF2-40B4-BE49-F238E27FC236}">
-                <a16:creationId xmlns:a16="http://schemas.microsoft.com/office/drawing/2014/main" id="{18D0D8AC-447D-4A95-8FA3-DEAEE504307C}"/>
-              </a:ext>
-            </a:extLst>
-          </p:cNvPr>
-          <p:cNvSpPr>
-            <a:spLocks noGrp="1"/>
-          </p:cNvSpPr>
-          <p:nvPr>
-            <p:ph idx="1"/>
-          </p:nvPr>
-        </p:nvSpPr>
-        <p:spPr/>
-        <p:txBody>
-          <a:bodyPr/>
-          <a:lstStyle/>
-          <a:p>
-            <a:endParaRPr lang="en-US"/>
-          </a:p>
-        </p:txBody>
-      </p:sp>
-      <p:pic>
-        <p:nvPicPr>
-          <p:cNvPr id="4" name="Content Placeholder 4" descr="A circuit board&#10;&#10;Description automatically generated">
-            <a:extLst>
-              <a:ext uri="{FF2B5EF4-FFF2-40B4-BE49-F238E27FC236}">
-                <a16:creationId xmlns:a16="http://schemas.microsoft.com/office/drawing/2014/main" id="{88C4D1E6-AA05-474E-BF6D-35D976A5E41F}"/>
-              </a:ext>
-            </a:extLst>
-          </p:cNvPr>
-          <p:cNvPicPr>
-            <a:picLocks noChangeAspect="1"/>
-          </p:cNvPicPr>
-          <p:nvPr/>
-        </p:nvPicPr>
-        <p:blipFill>
-          <a:blip r:embed="rId2"/>
-          <a:stretch>
-            <a:fillRect/>
-          </a:stretch>
-        </p:blipFill>
-        <p:spPr>
-          <a:xfrm>
-            <a:off x="1114926" y="0"/>
-            <a:ext cx="10202778" cy="7652084"/>
-          </a:xfrm>
-          <a:prstGeom prst="rect">
-            <a:avLst/>
-          </a:prstGeom>
-        </p:spPr>
-      </p:pic>
-    </p:spTree>
-    <p:extLst>
-      <p:ext uri="{BB962C8B-B14F-4D97-AF65-F5344CB8AC3E}">
-        <p14:creationId xmlns:p14="http://schemas.microsoft.com/office/powerpoint/2010/main" val="2596384548"/>
-      </p:ext>
-    </p:extLst>
-  </p:cSld>
-  <p:clrMapOvr>
-    <a:masterClrMapping/>
-  </p:clrMapOvr>
-</p:sld>
-</file>
-
 <file path=ppt/slides/slide4.xml><?xml version="1.0" encoding="utf-8"?>
 <p:sld xmlns:a="http://schemas.openxmlformats.org/drawingml/2006/main" xmlns:r="http://schemas.openxmlformats.org/officeDocument/2006/relationships" xmlns:p="http://schemas.openxmlformats.org/presentationml/2006/main">
   <p:cSld>
@@ -8485,46 +9718,19 @@
           <a:chExt cx="0" cy="0"/>
         </a:xfrm>
       </p:grpSpPr>
-      <p:sp>
-        <p:nvSpPr>
-          <p:cNvPr id="2" name="Title 1">
+      <p:pic>
+        <p:nvPicPr>
+          <p:cNvPr id="11" name="Picture 10" descr="A close up of a plastic container&#10;&#10;Description automatically generated">
             <a:extLst>
               <a:ext uri="{FF2B5EF4-FFF2-40B4-BE49-F238E27FC236}">
-                <a16:creationId xmlns:a16="http://schemas.microsoft.com/office/drawing/2014/main" id="{EA20A06F-FD09-4624-AA60-10F511E86F3C}"/>
-              </a:ext>
-            </a:extLst>
-          </p:cNvPr>
-          <p:cNvSpPr>
-            <a:spLocks noGrp="1"/>
-          </p:cNvSpPr>
-          <p:nvPr>
-            <p:ph type="title"/>
-          </p:nvPr>
-        </p:nvSpPr>
-        <p:spPr/>
-        <p:txBody>
-          <a:bodyPr/>
-          <a:lstStyle/>
-          <a:p>
-            <a:endParaRPr lang="en-US"/>
-          </a:p>
-        </p:txBody>
-      </p:sp>
-      <p:pic>
-        <p:nvPicPr>
-          <p:cNvPr id="5" name="Content Placeholder 4" descr="A picture containing computer, sitting, laptop, table&#10;&#10;Description automatically generated">
-            <a:extLst>
-              <a:ext uri="{FF2B5EF4-FFF2-40B4-BE49-F238E27FC236}">
-                <a16:creationId xmlns:a16="http://schemas.microsoft.com/office/drawing/2014/main" id="{C439CD16-102E-4BBC-B0CA-94E31262FB34}"/>
+                <a16:creationId xmlns:a16="http://schemas.microsoft.com/office/drawing/2014/main" id="{3FFDE469-5FA6-494F-9B08-527A2D6A41A7}"/>
               </a:ext>
             </a:extLst>
           </p:cNvPr>
           <p:cNvPicPr>
-            <a:picLocks noGrp="1" noChangeAspect="1"/>
+            <a:picLocks noChangeAspect="1"/>
           </p:cNvPicPr>
-          <p:nvPr>
-            <p:ph idx="1"/>
-          </p:nvPr>
+          <p:nvPr/>
         </p:nvPicPr>
         <p:blipFill>
           <a:blip r:embed="rId3"/>
@@ -8534,15 +9740,135 @@
         </p:blipFill>
         <p:spPr>
           <a:xfrm>
-            <a:off x="3356811" y="46987"/>
-            <a:ext cx="4485748" cy="6811013"/>
-          </a:xfrm>
+            <a:off x="2785935" y="2400300"/>
+            <a:ext cx="3600449" cy="4800599"/>
+          </a:xfrm>
+          <a:prstGeom prst="rect">
+            <a:avLst/>
+          </a:prstGeom>
+        </p:spPr>
+      </p:pic>
+      <p:sp>
+        <p:nvSpPr>
+          <p:cNvPr id="2" name="Title 1">
+            <a:extLst>
+              <a:ext uri="{FF2B5EF4-FFF2-40B4-BE49-F238E27FC236}">
+                <a16:creationId xmlns:a16="http://schemas.microsoft.com/office/drawing/2014/main" id="{5C446212-1E56-4F2B-A4D0-A7784DB3F0E2}"/>
+              </a:ext>
+            </a:extLst>
+          </p:cNvPr>
+          <p:cNvSpPr>
+            <a:spLocks noGrp="1"/>
+          </p:cNvSpPr>
+          <p:nvPr>
+            <p:ph type="title"/>
+          </p:nvPr>
+        </p:nvSpPr>
+        <p:spPr/>
+        <p:txBody>
+          <a:bodyPr/>
+          <a:lstStyle/>
+          <a:p>
+            <a:r>
+              <a:rPr lang="en-US" dirty="0"/>
+              <a:t>BAD COMMENTS…</a:t>
+            </a:r>
+          </a:p>
+        </p:txBody>
+      </p:sp>
+      <p:pic>
+        <p:nvPicPr>
+          <p:cNvPr id="5" name="Content Placeholder 4" descr="A close up of text on a black background&#10;&#10;Description automatically generated">
+            <a:extLst>
+              <a:ext uri="{FF2B5EF4-FFF2-40B4-BE49-F238E27FC236}">
+                <a16:creationId xmlns:a16="http://schemas.microsoft.com/office/drawing/2014/main" id="{5AFEC5D6-FE95-4473-9373-56E32A0E1922}"/>
+              </a:ext>
+            </a:extLst>
+          </p:cNvPr>
+          <p:cNvPicPr>
+            <a:picLocks noGrp="1" noChangeAspect="1"/>
+          </p:cNvPicPr>
+          <p:nvPr>
+            <p:ph idx="1"/>
+          </p:nvPr>
+        </p:nvPicPr>
+        <p:blipFill>
+          <a:blip r:embed="rId4"/>
+          <a:stretch>
+            <a:fillRect/>
+          </a:stretch>
+        </p:blipFill>
+        <p:spPr>
+          <a:xfrm>
+            <a:off x="0" y="1"/>
+            <a:ext cx="3556792" cy="4744996"/>
+          </a:xfrm>
+        </p:spPr>
+      </p:pic>
+      <p:pic>
+        <p:nvPicPr>
+          <p:cNvPr id="9" name="Picture 8" descr="A picture containing water&#10;&#10;Description automatically generated">
+            <a:extLst>
+              <a:ext uri="{FF2B5EF4-FFF2-40B4-BE49-F238E27FC236}">
+                <a16:creationId xmlns:a16="http://schemas.microsoft.com/office/drawing/2014/main" id="{476754EB-8997-489A-AAA7-05111B4D581C}"/>
+              </a:ext>
+            </a:extLst>
+          </p:cNvPr>
+          <p:cNvPicPr>
+            <a:picLocks noChangeAspect="1"/>
+          </p:cNvPicPr>
+          <p:nvPr/>
+        </p:nvPicPr>
+        <p:blipFill>
+          <a:blip r:embed="rId5"/>
+          <a:stretch>
+            <a:fillRect/>
+          </a:stretch>
+        </p:blipFill>
+        <p:spPr>
+          <a:xfrm>
+            <a:off x="6074172" y="1849436"/>
+            <a:ext cx="3600448" cy="4273865"/>
+          </a:xfrm>
+          <a:prstGeom prst="rect">
+            <a:avLst/>
+          </a:prstGeom>
+        </p:spPr>
+      </p:pic>
+      <p:pic>
+        <p:nvPicPr>
+          <p:cNvPr id="7" name="Picture 6" descr="A close up of a doughnut shop&#10;&#10;Description automatically generated">
+            <a:extLst>
+              <a:ext uri="{FF2B5EF4-FFF2-40B4-BE49-F238E27FC236}">
+                <a16:creationId xmlns:a16="http://schemas.microsoft.com/office/drawing/2014/main" id="{A37181F5-F103-45E0-9354-5019E92AC3DD}"/>
+              </a:ext>
+            </a:extLst>
+          </p:cNvPr>
+          <p:cNvPicPr>
+            <a:picLocks noChangeAspect="1"/>
+          </p:cNvPicPr>
+          <p:nvPr/>
+        </p:nvPicPr>
+        <p:blipFill>
+          <a:blip r:embed="rId6"/>
+          <a:stretch>
+            <a:fillRect/>
+          </a:stretch>
+        </p:blipFill>
+        <p:spPr>
+          <a:xfrm>
+            <a:off x="9239250" y="2921000"/>
+            <a:ext cx="2952750" cy="3937000"/>
+          </a:xfrm>
+          <a:prstGeom prst="rect">
+            <a:avLst/>
+          </a:prstGeom>
         </p:spPr>
       </p:pic>
     </p:spTree>
     <p:extLst>
       <p:ext uri="{BB962C8B-B14F-4D97-AF65-F5344CB8AC3E}">
-        <p14:creationId xmlns:p14="http://schemas.microsoft.com/office/powerpoint/2010/main" val="2554282735"/>
+        <p14:creationId xmlns:p14="http://schemas.microsoft.com/office/powerpoint/2010/main" val="2317882473"/>
       </p:ext>
     </p:extLst>
   </p:cSld>
@@ -8574,7 +9900,7 @@
           <p:cNvPr id="2" name="Title 1">
             <a:extLst>
               <a:ext uri="{FF2B5EF4-FFF2-40B4-BE49-F238E27FC236}">
-                <a16:creationId xmlns:a16="http://schemas.microsoft.com/office/drawing/2014/main" id="{3910229E-93BA-489E-9B3C-0B2A6AF9EF1C}"/>
+                <a16:creationId xmlns:a16="http://schemas.microsoft.com/office/drawing/2014/main" id="{85E5DB7C-B802-411C-AC3A-E424EC7B13B3}"/>
               </a:ext>
             </a:extLst>
           </p:cNvPr>
@@ -8590,16 +9916,19 @@
           <a:bodyPr/>
           <a:lstStyle/>
           <a:p>
-            <a:endParaRPr lang="en-US"/>
+            <a:r>
+              <a:rPr lang="en-US" dirty="0"/>
+              <a:t>JAVASCRIPT</a:t>
+            </a:r>
           </a:p>
         </p:txBody>
       </p:sp>
       <p:pic>
         <p:nvPicPr>
-          <p:cNvPr id="5" name="Content Placeholder 4" descr="A screen shot of a dog&#10;&#10;Description automatically generated">
+          <p:cNvPr id="5" name="Content Placeholder 4" descr="A screenshot of a cell phone&#10;&#10;Description automatically generated">
             <a:extLst>
               <a:ext uri="{FF2B5EF4-FFF2-40B4-BE49-F238E27FC236}">
-                <a16:creationId xmlns:a16="http://schemas.microsoft.com/office/drawing/2014/main" id="{0F245543-8AAC-4581-91B7-E2223A11A9DC}"/>
+                <a16:creationId xmlns:a16="http://schemas.microsoft.com/office/drawing/2014/main" id="{1E5AC962-43D9-4169-AEDA-A2B0131BA621}"/>
               </a:ext>
             </a:extLst>
           </p:cNvPr>
@@ -8611,22 +9940,22 @@
           </p:nvPr>
         </p:nvPicPr>
         <p:blipFill>
-          <a:blip r:embed="rId3"/>
+          <a:blip r:embed="rId2"/>
           <a:stretch>
             <a:fillRect/>
           </a:stretch>
         </p:blipFill>
         <p:spPr>
           <a:xfrm>
-            <a:off x="1545362" y="16021"/>
-            <a:ext cx="9101276" cy="6825958"/>
+            <a:off x="2788920" y="0"/>
+            <a:ext cx="4619707" cy="7589520"/>
           </a:xfrm>
         </p:spPr>
       </p:pic>
     </p:spTree>
     <p:extLst>
       <p:ext uri="{BB962C8B-B14F-4D97-AF65-F5344CB8AC3E}">
-        <p14:creationId xmlns:p14="http://schemas.microsoft.com/office/powerpoint/2010/main" val="4072397509"/>
+        <p14:creationId xmlns:p14="http://schemas.microsoft.com/office/powerpoint/2010/main" val="1309444268"/>
       </p:ext>
     </p:extLst>
   </p:cSld>
@@ -8658,7 +9987,7 @@
           <p:cNvPr id="2" name="Title 1">
             <a:extLst>
               <a:ext uri="{FF2B5EF4-FFF2-40B4-BE49-F238E27FC236}">
-                <a16:creationId xmlns:a16="http://schemas.microsoft.com/office/drawing/2014/main" id="{0EBB95CD-D4DB-4E8C-AB5A-22E4ACC53959}"/>
+                <a16:creationId xmlns:a16="http://schemas.microsoft.com/office/drawing/2014/main" id="{F84829F1-CAB6-4448-8D0E-AE3E83C377AF}"/>
               </a:ext>
             </a:extLst>
           </p:cNvPr>
@@ -8678,39 +10007,65 @@
           </a:p>
         </p:txBody>
       </p:sp>
+      <p:sp>
+        <p:nvSpPr>
+          <p:cNvPr id="3" name="Content Placeholder 2">
+            <a:extLst>
+              <a:ext uri="{FF2B5EF4-FFF2-40B4-BE49-F238E27FC236}">
+                <a16:creationId xmlns:a16="http://schemas.microsoft.com/office/drawing/2014/main" id="{18D0D8AC-447D-4A95-8FA3-DEAEE504307C}"/>
+              </a:ext>
+            </a:extLst>
+          </p:cNvPr>
+          <p:cNvSpPr>
+            <a:spLocks noGrp="1"/>
+          </p:cNvSpPr>
+          <p:nvPr>
+            <p:ph idx="1"/>
+          </p:nvPr>
+        </p:nvSpPr>
+        <p:spPr/>
+        <p:txBody>
+          <a:bodyPr/>
+          <a:lstStyle/>
+          <a:p>
+            <a:endParaRPr lang="en-US"/>
+          </a:p>
+        </p:txBody>
+      </p:sp>
       <p:pic>
         <p:nvPicPr>
-          <p:cNvPr id="9" name="Content Placeholder 8" descr="A close up of text on a white background&#10;&#10;Description automatically generated">
+          <p:cNvPr id="4" name="Content Placeholder 4" descr="A circuit board&#10;&#10;Description automatically generated">
             <a:extLst>
               <a:ext uri="{FF2B5EF4-FFF2-40B4-BE49-F238E27FC236}">
-                <a16:creationId xmlns:a16="http://schemas.microsoft.com/office/drawing/2014/main" id="{33A17641-0926-4323-875C-86DD9ED1C813}"/>
+                <a16:creationId xmlns:a16="http://schemas.microsoft.com/office/drawing/2014/main" id="{88C4D1E6-AA05-474E-BF6D-35D976A5E41F}"/>
               </a:ext>
             </a:extLst>
           </p:cNvPr>
           <p:cNvPicPr>
-            <a:picLocks noGrp="1" noChangeAspect="1"/>
+            <a:picLocks noChangeAspect="1"/>
           </p:cNvPicPr>
-          <p:nvPr>
-            <p:ph idx="1"/>
-          </p:nvPr>
+          <p:nvPr/>
         </p:nvPicPr>
         <p:blipFill>
-          <a:blip r:embed="rId3"/>
+          <a:blip r:embed="rId2"/>
           <a:stretch>
             <a:fillRect/>
           </a:stretch>
         </p:blipFill>
         <p:spPr>
           <a:xfrm>
-            <a:off x="1621924" y="632702"/>
-            <a:ext cx="8948152" cy="5592596"/>
-          </a:xfrm>
+            <a:off x="1114926" y="0"/>
+            <a:ext cx="10202778" cy="7652084"/>
+          </a:xfrm>
+          <a:prstGeom prst="rect">
+            <a:avLst/>
+          </a:prstGeom>
         </p:spPr>
       </p:pic>
     </p:spTree>
     <p:extLst>
       <p:ext uri="{BB962C8B-B14F-4D97-AF65-F5344CB8AC3E}">
-        <p14:creationId xmlns:p14="http://schemas.microsoft.com/office/powerpoint/2010/main" val="3517861075"/>
+        <p14:creationId xmlns:p14="http://schemas.microsoft.com/office/powerpoint/2010/main" val="2596384548"/>
       </p:ext>
     </p:extLst>
   </p:cSld>
@@ -8742,7 +10097,7 @@
           <p:cNvPr id="2" name="Title 1">
             <a:extLst>
               <a:ext uri="{FF2B5EF4-FFF2-40B4-BE49-F238E27FC236}">
-                <a16:creationId xmlns:a16="http://schemas.microsoft.com/office/drawing/2014/main" id="{425A0AA1-E406-4ECD-978A-418AB0BC2649}"/>
+                <a16:creationId xmlns:a16="http://schemas.microsoft.com/office/drawing/2014/main" id="{C5F97A2A-E0CA-4A3F-9B6E-9D4391ADE965}"/>
               </a:ext>
             </a:extLst>
           </p:cNvPr>
@@ -8750,71 +10105,51 @@
             <a:spLocks noGrp="1"/>
           </p:cNvSpPr>
           <p:nvPr>
-            <p:ph type="ctrTitle"/>
-          </p:nvPr>
-        </p:nvSpPr>
-        <p:spPr>
-          <a:xfrm>
-            <a:off x="1371600" y="1803405"/>
-            <a:ext cx="10234246" cy="1825096"/>
-          </a:xfrm>
-        </p:spPr>
+            <p:ph type="title"/>
+          </p:nvPr>
+        </p:nvSpPr>
+        <p:spPr/>
         <p:txBody>
           <a:bodyPr/>
           <a:lstStyle/>
           <a:p>
-            <a:r>
-              <a:rPr lang="en-US" dirty="0"/>
-              <a:t>PRACTICAL REFACTORING</a:t>
-            </a:r>
-          </a:p>
-        </p:txBody>
-      </p:sp>
-      <p:sp>
-        <p:nvSpPr>
-          <p:cNvPr id="3" name="Subtitle 2">
+            <a:endParaRPr lang="en-US"/>
+          </a:p>
+        </p:txBody>
+      </p:sp>
+      <p:pic>
+        <p:nvPicPr>
+          <p:cNvPr id="5" name="Content Placeholder 4" descr="A picture containing text, sitting, book, man&#10;&#10;Description automatically generated">
             <a:extLst>
               <a:ext uri="{FF2B5EF4-FFF2-40B4-BE49-F238E27FC236}">
-                <a16:creationId xmlns:a16="http://schemas.microsoft.com/office/drawing/2014/main" id="{5EB833E6-A4A8-44BB-9EB9-8E4F8844248D}"/>
+                <a16:creationId xmlns:a16="http://schemas.microsoft.com/office/drawing/2014/main" id="{D8A1E10A-1DC8-46CF-8927-AE32673B526F}"/>
               </a:ext>
             </a:extLst>
           </p:cNvPr>
-          <p:cNvSpPr>
-            <a:spLocks noGrp="1"/>
-          </p:cNvSpPr>
-          <p:nvPr>
-            <p:ph type="subTitle" idx="1"/>
-          </p:nvPr>
-        </p:nvSpPr>
-        <p:spPr>
-          <a:xfrm>
-            <a:off x="1371600" y="3632200"/>
-            <a:ext cx="9448800" cy="1502507"/>
-          </a:xfrm>
-        </p:spPr>
-        <p:txBody>
-          <a:bodyPr>
-            <a:normAutofit/>
-          </a:bodyPr>
-          <a:lstStyle/>
-          <a:p>
-            <a:r>
-              <a:rPr lang="en-US" sz="2800" dirty="0"/>
-              <a:t>Patrick Szalapski</a:t>
-            </a:r>
-          </a:p>
-          <a:p>
-            <a:r>
-              <a:rPr lang="en-US" sz="2800" dirty="0"/>
-              <a:t>@Szalapski | szalapski.com</a:t>
-            </a:r>
-          </a:p>
-        </p:txBody>
-      </p:sp>
+          <p:cNvPicPr>
+            <a:picLocks noGrp="1" noChangeAspect="1"/>
+          </p:cNvPicPr>
+          <p:nvPr>
+            <p:ph idx="1"/>
+          </p:nvPr>
+        </p:nvPicPr>
+        <p:blipFill>
+          <a:blip r:embed="rId2"/>
+          <a:stretch>
+            <a:fillRect/>
+          </a:stretch>
+        </p:blipFill>
+        <p:spPr>
+          <a:xfrm>
+            <a:off x="1060141" y="0"/>
+            <a:ext cx="10071717" cy="7208520"/>
+          </a:xfrm>
+        </p:spPr>
+      </p:pic>
     </p:spTree>
     <p:extLst>
       <p:ext uri="{BB962C8B-B14F-4D97-AF65-F5344CB8AC3E}">
-        <p14:creationId xmlns:p14="http://schemas.microsoft.com/office/powerpoint/2010/main" val="3001919675"/>
+        <p14:creationId xmlns:p14="http://schemas.microsoft.com/office/powerpoint/2010/main" val="3032871297"/>
       </p:ext>
     </p:extLst>
   </p:cSld>
@@ -8843,10 +10178,10 @@
       </p:grpSpPr>
       <p:sp>
         <p:nvSpPr>
-          <p:cNvPr id="3" name="Content Placeholder 2">
+          <p:cNvPr id="2" name="Title 1">
             <a:extLst>
               <a:ext uri="{FF2B5EF4-FFF2-40B4-BE49-F238E27FC236}">
-                <a16:creationId xmlns:a16="http://schemas.microsoft.com/office/drawing/2014/main" id="{D8C72433-D559-407B-BBE6-931109BBD8E6}"/>
+                <a16:creationId xmlns:a16="http://schemas.microsoft.com/office/drawing/2014/main" id="{EA20A06F-FD09-4624-AA60-10F511E86F3C}"/>
               </a:ext>
             </a:extLst>
           </p:cNvPr>
@@ -8854,120 +10189,51 @@
             <a:spLocks noGrp="1"/>
           </p:cNvSpPr>
           <p:nvPr>
-            <p:ph idx="1"/>
-          </p:nvPr>
-        </p:nvSpPr>
-        <p:spPr>
-          <a:xfrm>
-            <a:off x="388620" y="1607233"/>
-            <a:ext cx="11327130" cy="1664872"/>
-          </a:xfrm>
-        </p:spPr>
-        <p:txBody>
-          <a:bodyPr>
-            <a:normAutofit/>
-          </a:bodyPr>
-          <a:lstStyle/>
-          <a:p>
-            <a:pPr marL="0" indent="0" algn="ctr">
-              <a:buNone/>
-            </a:pPr>
-            <a:r>
-              <a:rPr lang="en-US" sz="4800" dirty="0"/>
-              <a:t>To </a:t>
-            </a:r>
-            <a:r>
-              <a:rPr lang="en-US" sz="4800" b="1" dirty="0"/>
-              <a:t>refactor</a:t>
-            </a:r>
-            <a:r>
-              <a:rPr lang="en-US" sz="4800" dirty="0"/>
-              <a:t> is to make code better without changing its behavior</a:t>
-            </a:r>
-          </a:p>
-        </p:txBody>
-      </p:sp>
-      <p:sp>
-        <p:nvSpPr>
-          <p:cNvPr id="12" name="TextBox 11">
+            <p:ph type="title"/>
+          </p:nvPr>
+        </p:nvSpPr>
+        <p:spPr/>
+        <p:txBody>
+          <a:bodyPr/>
+          <a:lstStyle/>
+          <a:p>
+            <a:endParaRPr lang="en-US"/>
+          </a:p>
+        </p:txBody>
+      </p:sp>
+      <p:pic>
+        <p:nvPicPr>
+          <p:cNvPr id="5" name="Content Placeholder 4" descr="A picture containing computer, sitting, laptop, table&#10;&#10;Description automatically generated">
             <a:extLst>
               <a:ext uri="{FF2B5EF4-FFF2-40B4-BE49-F238E27FC236}">
-                <a16:creationId xmlns:a16="http://schemas.microsoft.com/office/drawing/2014/main" id="{4BC0D16E-33E3-46A4-A769-2B2D5C935F19}"/>
-              </a:ext>
-            </a:extLst>
-          </p:cNvPr>
-          <p:cNvSpPr txBox="1"/>
-          <p:nvPr/>
-        </p:nvSpPr>
-        <p:spPr>
-          <a:xfrm>
-            <a:off x="6737683" y="4127316"/>
-            <a:ext cx="4439653" cy="1569660"/>
-          </a:xfrm>
-          <a:prstGeom prst="rect">
-            <a:avLst/>
-          </a:prstGeom>
-          <a:noFill/>
-        </p:spPr>
-        <p:txBody>
-          <a:bodyPr wrap="square" rtlCol="0">
-            <a:spAutoFit/>
-          </a:bodyPr>
-          <a:lstStyle/>
-          <a:p>
-            <a:pPr algn="r"/>
-            <a:r>
-              <a:rPr lang="en-US" sz="2400" b="1" dirty="0"/>
-              <a:t>Behavior</a:t>
-            </a:r>
-            <a:r>
-              <a:rPr lang="en-US" sz="2400" dirty="0"/>
-              <a:t> usually means output or side effects</a:t>
-            </a:r>
-          </a:p>
-          <a:p>
-            <a:pPr algn="r"/>
-            <a:r>
-              <a:rPr lang="en-US" sz="2400" dirty="0"/>
-              <a:t>but also could be performance or resource</a:t>
-            </a:r>
-          </a:p>
-        </p:txBody>
-      </p:sp>
-      <p:pic>
-        <p:nvPicPr>
-          <p:cNvPr id="4" name="Content Placeholder 8" descr="A close up of text on a white background&#10;&#10;Description automatically generated">
-            <a:extLst>
-              <a:ext uri="{FF2B5EF4-FFF2-40B4-BE49-F238E27FC236}">
-                <a16:creationId xmlns:a16="http://schemas.microsoft.com/office/drawing/2014/main" id="{F909B1FC-3CA4-4163-B3A1-BD26CF0F882D}"/>
+                <a16:creationId xmlns:a16="http://schemas.microsoft.com/office/drawing/2014/main" id="{C439CD16-102E-4BBC-B0CA-94E31262FB34}"/>
               </a:ext>
             </a:extLst>
           </p:cNvPr>
           <p:cNvPicPr>
-            <a:picLocks noChangeAspect="1"/>
+            <a:picLocks noGrp="1" noChangeAspect="1"/>
           </p:cNvPicPr>
-          <p:nvPr/>
+          <p:nvPr>
+            <p:ph idx="1"/>
+          </p:nvPr>
         </p:nvPicPr>
         <p:blipFill>
-          <a:blip r:embed="rId2"/>
+          <a:blip r:embed="rId3"/>
           <a:stretch>
             <a:fillRect/>
           </a:stretch>
         </p:blipFill>
         <p:spPr>
           <a:xfrm>
-            <a:off x="238293" y="3458751"/>
-            <a:ext cx="5055602" cy="3159752"/>
-          </a:xfrm>
-          <a:prstGeom prst="rect">
-            <a:avLst/>
-          </a:prstGeom>
+            <a:off x="3356811" y="46987"/>
+            <a:ext cx="4485748" cy="6811013"/>
+          </a:xfrm>
         </p:spPr>
       </p:pic>
     </p:spTree>
     <p:extLst>
       <p:ext uri="{BB962C8B-B14F-4D97-AF65-F5344CB8AC3E}">
-        <p14:creationId xmlns:p14="http://schemas.microsoft.com/office/powerpoint/2010/main" val="657785876"/>
+        <p14:creationId xmlns:p14="http://schemas.microsoft.com/office/powerpoint/2010/main" val="2554282735"/>
       </p:ext>
     </p:extLst>
   </p:cSld>
@@ -8996,10 +10262,35 @@
       </p:grpSpPr>
       <p:sp>
         <p:nvSpPr>
+          <p:cNvPr id="2" name="Title 1">
+            <a:extLst>
+              <a:ext uri="{FF2B5EF4-FFF2-40B4-BE49-F238E27FC236}">
+                <a16:creationId xmlns:a16="http://schemas.microsoft.com/office/drawing/2014/main" id="{9818202E-0EE8-4CAF-B0C8-EF0787F065F9}"/>
+              </a:ext>
+            </a:extLst>
+          </p:cNvPr>
+          <p:cNvSpPr>
+            <a:spLocks noGrp="1"/>
+          </p:cNvSpPr>
+          <p:nvPr>
+            <p:ph type="title"/>
+          </p:nvPr>
+        </p:nvSpPr>
+        <p:spPr/>
+        <p:txBody>
+          <a:bodyPr/>
+          <a:lstStyle/>
+          <a:p>
+            <a:endParaRPr lang="en-US"/>
+          </a:p>
+        </p:txBody>
+      </p:sp>
+      <p:sp>
+        <p:nvSpPr>
           <p:cNvPr id="3" name="Content Placeholder 2">
             <a:extLst>
               <a:ext uri="{FF2B5EF4-FFF2-40B4-BE49-F238E27FC236}">
-                <a16:creationId xmlns:a16="http://schemas.microsoft.com/office/drawing/2014/main" id="{D8C72433-D559-407B-BBE6-931109BBD8E6}"/>
+                <a16:creationId xmlns:a16="http://schemas.microsoft.com/office/drawing/2014/main" id="{25B639F2-B4AB-4DB6-87DD-7E9254B9E151}"/>
               </a:ext>
             </a:extLst>
           </p:cNvPr>
@@ -9010,93 +10301,49 @@
             <p:ph idx="1"/>
           </p:nvPr>
         </p:nvSpPr>
-        <p:spPr>
-          <a:xfrm>
-            <a:off x="388620" y="1607233"/>
-            <a:ext cx="11327130" cy="1627457"/>
-          </a:xfrm>
-        </p:spPr>
-        <p:txBody>
-          <a:bodyPr>
-            <a:normAutofit/>
-          </a:bodyPr>
-          <a:lstStyle/>
-          <a:p>
-            <a:pPr marL="0" indent="0" algn="ctr">
-              <a:buNone/>
-            </a:pPr>
-            <a:r>
-              <a:rPr lang="en-US" sz="4800" dirty="0"/>
-              <a:t>The main benefit of refactoring is increased </a:t>
-            </a:r>
-            <a:r>
-              <a:rPr lang="en-US" sz="4800" b="1" dirty="0"/>
-              <a:t>maintainability</a:t>
-            </a:r>
-          </a:p>
-        </p:txBody>
-      </p:sp>
-      <p:sp>
-        <p:nvSpPr>
-          <p:cNvPr id="12" name="TextBox 11">
+        <p:spPr/>
+        <p:txBody>
+          <a:bodyPr/>
+          <a:lstStyle/>
+          <a:p>
+            <a:endParaRPr lang="en-US"/>
+          </a:p>
+        </p:txBody>
+      </p:sp>
+      <p:pic>
+        <p:nvPicPr>
+          <p:cNvPr id="4" name="Picture 3">
             <a:extLst>
               <a:ext uri="{FF2B5EF4-FFF2-40B4-BE49-F238E27FC236}">
-                <a16:creationId xmlns:a16="http://schemas.microsoft.com/office/drawing/2014/main" id="{4BC0D16E-33E3-46A4-A769-2B2D5C935F19}"/>
+                <a16:creationId xmlns:a16="http://schemas.microsoft.com/office/drawing/2014/main" id="{4AE79C4D-90AF-44D6-ADCB-D126C007EC62}"/>
               </a:ext>
             </a:extLst>
           </p:cNvPr>
-          <p:cNvSpPr txBox="1"/>
+          <p:cNvPicPr>
+            <a:picLocks noChangeAspect="1"/>
+          </p:cNvPicPr>
           <p:nvPr/>
-        </p:nvSpPr>
-        <p:spPr>
-          <a:xfrm>
-            <a:off x="6286065" y="3906053"/>
-            <a:ext cx="4729180" cy="1815882"/>
+        </p:nvPicPr>
+        <p:blipFill>
+          <a:blip r:embed="rId2"/>
+          <a:stretch>
+            <a:fillRect/>
+          </a:stretch>
+        </p:blipFill>
+        <p:spPr>
+          <a:xfrm>
+            <a:off x="-82176" y="2057401"/>
+            <a:ext cx="12274176" cy="3627120"/>
           </a:xfrm>
           <a:prstGeom prst="rect">
             <a:avLst/>
           </a:prstGeom>
-          <a:noFill/>
-        </p:spPr>
-        <p:txBody>
-          <a:bodyPr wrap="none" rtlCol="0">
-            <a:spAutoFit/>
-          </a:bodyPr>
-          <a:lstStyle/>
-          <a:p>
-            <a:pPr algn="r"/>
-            <a:r>
-              <a:rPr lang="en-US" sz="2800" dirty="0"/>
-              <a:t>The best code to refactor </a:t>
-            </a:r>
-          </a:p>
-          <a:p>
-            <a:pPr algn="r"/>
-            <a:r>
-              <a:rPr lang="en-US" sz="2800" dirty="0"/>
-              <a:t>is the code you’re </a:t>
-            </a:r>
-          </a:p>
-          <a:p>
-            <a:pPr algn="r"/>
-            <a:r>
-              <a:rPr lang="en-US" sz="2800" dirty="0"/>
-              <a:t>most likely to work with</a:t>
-            </a:r>
-            <a:br>
-              <a:rPr lang="en-US" sz="2800" dirty="0"/>
-            </a:br>
-            <a:r>
-              <a:rPr lang="en-US" sz="2800" dirty="0"/>
-              <a:t>the most often</a:t>
-            </a:r>
-          </a:p>
-        </p:txBody>
-      </p:sp>
+        </p:spPr>
+      </p:pic>
     </p:spTree>
     <p:extLst>
       <p:ext uri="{BB962C8B-B14F-4D97-AF65-F5344CB8AC3E}">
-        <p14:creationId xmlns:p14="http://schemas.microsoft.com/office/powerpoint/2010/main" val="1076625757"/>
+        <p14:creationId xmlns:p14="http://schemas.microsoft.com/office/powerpoint/2010/main" val="1877842797"/>
       </p:ext>
     </p:extLst>
   </p:cSld>

--- a/psz/PracticalRefactoring.pptx
+++ b/psz/PracticalRefactoring.pptx
@@ -5,7 +5,7 @@
     <p:sldMasterId id="2147483648" r:id="rId1"/>
   </p:sldMasterIdLst>
   <p:notesMasterIdLst>
-    <p:notesMasterId r:id="rId24"/>
+    <p:notesMasterId r:id="rId25"/>
   </p:notesMasterIdLst>
   <p:sldIdLst>
     <p:sldId id="265" r:id="rId2"/>
@@ -27,9 +27,10 @@
     <p:sldId id="261" r:id="rId18"/>
     <p:sldId id="264" r:id="rId19"/>
     <p:sldId id="258" r:id="rId20"/>
-    <p:sldId id="263" r:id="rId21"/>
-    <p:sldId id="262" r:id="rId22"/>
-    <p:sldId id="271" r:id="rId23"/>
+    <p:sldId id="278" r:id="rId21"/>
+    <p:sldId id="263" r:id="rId22"/>
+    <p:sldId id="262" r:id="rId23"/>
+    <p:sldId id="271" r:id="rId24"/>
   </p:sldIdLst>
   <p:sldSz cx="12192000" cy="6858000"/>
   <p:notesSz cx="6858000" cy="9144000"/>
@@ -221,7 +222,7 @@
           <a:p>
             <a:fld id="{B0A5C299-FE50-42DD-A2AC-4285A1871B59}" type="datetimeFigureOut">
               <a:rPr lang="en-US" smtClean="0"/>
-              <a:t>4/12/2020</a:t>
+              <a:t>4/25/2020</a:t>
             </a:fld>
             <a:endParaRPr lang="en-US"/>
           </a:p>
@@ -616,7 +617,10 @@
           <a:bodyPr/>
           <a:lstStyle/>
           <a:p>
-            <a:endParaRPr lang="en-US" dirty="0"/>
+            <a:r>
+              <a:rPr lang="en-US" dirty="0"/>
+              <a:t>Tool-assisted refactoring is not about less typing</a:t>
+            </a:r>
           </a:p>
         </p:txBody>
       </p:sp>
@@ -646,7 +650,198 @@
     </p:spTree>
     <p:extLst>
       <p:ext uri="{BB962C8B-B14F-4D97-AF65-F5344CB8AC3E}">
+        <p14:creationId xmlns:p14="http://schemas.microsoft.com/office/powerpoint/2010/main" val="4244894287"/>
+      </p:ext>
+    </p:extLst>
+  </p:cSld>
+  <p:clrMapOvr>
+    <a:masterClrMapping/>
+  </p:clrMapOvr>
+</p:notes>
+</file>
+
+<file path=ppt/notesSlides/notesSlide11.xml><?xml version="1.0" encoding="utf-8"?>
+<p:notes xmlns:a="http://schemas.openxmlformats.org/drawingml/2006/main" xmlns:r="http://schemas.openxmlformats.org/officeDocument/2006/relationships" xmlns:p="http://schemas.openxmlformats.org/presentationml/2006/main">
+  <p:cSld>
+    <p:spTree>
+      <p:nvGrpSpPr>
+        <p:cNvPr id="1" name=""/>
+        <p:cNvGrpSpPr/>
+        <p:nvPr/>
+      </p:nvGrpSpPr>
+      <p:grpSpPr>
+        <a:xfrm>
+          <a:off x="0" y="0"/>
+          <a:ext cx="0" cy="0"/>
+          <a:chOff x="0" y="0"/>
+          <a:chExt cx="0" cy="0"/>
+        </a:xfrm>
+      </p:grpSpPr>
+      <p:sp>
+        <p:nvSpPr>
+          <p:cNvPr id="2" name="Slide Image Placeholder 1"/>
+          <p:cNvSpPr>
+            <a:spLocks noGrp="1" noRot="1" noChangeAspect="1"/>
+          </p:cNvSpPr>
+          <p:nvPr>
+            <p:ph type="sldImg"/>
+          </p:nvPr>
+        </p:nvSpPr>
+        <p:spPr/>
+      </p:sp>
+      <p:sp>
+        <p:nvSpPr>
+          <p:cNvPr id="3" name="Notes Placeholder 2"/>
+          <p:cNvSpPr>
+            <a:spLocks noGrp="1"/>
+          </p:cNvSpPr>
+          <p:nvPr>
+            <p:ph type="body" idx="1"/>
+          </p:nvPr>
+        </p:nvSpPr>
+        <p:spPr/>
+        <p:txBody>
+          <a:bodyPr/>
+          <a:lstStyle/>
+          <a:p>
+            <a:endParaRPr lang="en-US" dirty="0"/>
+          </a:p>
+        </p:txBody>
+      </p:sp>
+      <p:sp>
+        <p:nvSpPr>
+          <p:cNvPr id="4" name="Slide Number Placeholder 3"/>
+          <p:cNvSpPr>
+            <a:spLocks noGrp="1"/>
+          </p:cNvSpPr>
+          <p:nvPr>
+            <p:ph type="sldNum" sz="quarter" idx="5"/>
+          </p:nvPr>
+        </p:nvSpPr>
+        <p:spPr/>
+        <p:txBody>
+          <a:bodyPr/>
+          <a:lstStyle/>
+          <a:p>
+            <a:fld id="{98E7458D-A4C5-47E1-AED0-92A55BE669C0}" type="slidenum">
+              <a:rPr lang="en-US" smtClean="0"/>
+              <a:t>22</a:t>
+            </a:fld>
+            <a:endParaRPr lang="en-US"/>
+          </a:p>
+        </p:txBody>
+      </p:sp>
+    </p:spTree>
+    <p:extLst>
+      <p:ext uri="{BB962C8B-B14F-4D97-AF65-F5344CB8AC3E}">
         <p14:creationId xmlns:p14="http://schemas.microsoft.com/office/powerpoint/2010/main" val="3152304061"/>
+      </p:ext>
+    </p:extLst>
+  </p:cSld>
+  <p:clrMapOvr>
+    <a:masterClrMapping/>
+  </p:clrMapOvr>
+</p:notes>
+</file>
+
+<file path=ppt/notesSlides/notesSlide12.xml><?xml version="1.0" encoding="utf-8"?>
+<p:notes xmlns:a="http://schemas.openxmlformats.org/drawingml/2006/main" xmlns:r="http://schemas.openxmlformats.org/officeDocument/2006/relationships" xmlns:p="http://schemas.openxmlformats.org/presentationml/2006/main">
+  <p:cSld>
+    <p:spTree>
+      <p:nvGrpSpPr>
+        <p:cNvPr id="1" name=""/>
+        <p:cNvGrpSpPr/>
+        <p:nvPr/>
+      </p:nvGrpSpPr>
+      <p:grpSpPr>
+        <a:xfrm>
+          <a:off x="0" y="0"/>
+          <a:ext cx="0" cy="0"/>
+          <a:chOff x="0" y="0"/>
+          <a:chExt cx="0" cy="0"/>
+        </a:xfrm>
+      </p:grpSpPr>
+      <p:sp>
+        <p:nvSpPr>
+          <p:cNvPr id="2" name="Slide Image Placeholder 1"/>
+          <p:cNvSpPr>
+            <a:spLocks noGrp="1" noRot="1" noChangeAspect="1"/>
+          </p:cNvSpPr>
+          <p:nvPr>
+            <p:ph type="sldImg"/>
+          </p:nvPr>
+        </p:nvSpPr>
+        <p:spPr/>
+      </p:sp>
+      <p:sp>
+        <p:nvSpPr>
+          <p:cNvPr id="3" name="Notes Placeholder 2"/>
+          <p:cNvSpPr>
+            <a:spLocks noGrp="1"/>
+          </p:cNvSpPr>
+          <p:nvPr>
+            <p:ph type="body" idx="1"/>
+          </p:nvPr>
+        </p:nvSpPr>
+        <p:spPr/>
+        <p:txBody>
+          <a:bodyPr/>
+          <a:lstStyle/>
+          <a:p>
+            <a:pPr marL="0" marR="0" lvl="0" indent="0" algn="l" defTabSz="914400" rtl="0" eaLnBrk="1" fontAlgn="auto" latinLnBrk="0" hangingPunct="1">
+              <a:lnSpc>
+                <a:spcPct val="100000"/>
+              </a:lnSpc>
+              <a:spcBef>
+                <a:spcPts val="0"/>
+              </a:spcBef>
+              <a:spcAft>
+                <a:spcPts val="0"/>
+              </a:spcAft>
+              <a:buClrTx/>
+              <a:buSzTx/>
+              <a:buFontTx/>
+              <a:buNone/>
+              <a:tabLst/>
+              <a:defRPr/>
+            </a:pPr>
+            <a:endParaRPr lang="en-US" dirty="0">
+              <a:effectLst/>
+              <a:hlinkClick r:id="rId3"/>
+            </a:endParaRPr>
+          </a:p>
+          <a:p>
+            <a:endParaRPr lang="en-US" dirty="0"/>
+          </a:p>
+        </p:txBody>
+      </p:sp>
+      <p:sp>
+        <p:nvSpPr>
+          <p:cNvPr id="4" name="Slide Number Placeholder 3"/>
+          <p:cNvSpPr>
+            <a:spLocks noGrp="1"/>
+          </p:cNvSpPr>
+          <p:nvPr>
+            <p:ph type="sldNum" sz="quarter" idx="5"/>
+          </p:nvPr>
+        </p:nvSpPr>
+        <p:spPr/>
+        <p:txBody>
+          <a:bodyPr/>
+          <a:lstStyle/>
+          <a:p>
+            <a:fld id="{98E7458D-A4C5-47E1-AED0-92A55BE669C0}" type="slidenum">
+              <a:rPr lang="en-US" smtClean="0"/>
+              <a:t>23</a:t>
+            </a:fld>
+            <a:endParaRPr lang="en-US"/>
+          </a:p>
+        </p:txBody>
+      </p:sp>
+    </p:spTree>
+    <p:extLst>
+      <p:ext uri="{BB962C8B-B14F-4D97-AF65-F5344CB8AC3E}">
+        <p14:creationId xmlns:p14="http://schemas.microsoft.com/office/powerpoint/2010/main" val="504481076"/>
       </p:ext>
     </p:extLst>
   </p:cSld>
@@ -952,85 +1147,7 @@
           <a:bodyPr/>
           <a:lstStyle/>
           <a:p>
-            <a:r>
-              <a:rPr lang="en-US" sz="1200" b="0" kern="1200" dirty="0">
-                <a:solidFill>
-                  <a:schemeClr val="tx1"/>
-                </a:solidFill>
-                <a:effectLst/>
-                <a:latin typeface="+mn-lt"/>
-                <a:ea typeface="+mn-ea"/>
-                <a:cs typeface="+mn-cs"/>
-              </a:rPr>
-              <a:t>    - Easier to read, harder to misread</a:t>
-            </a:r>
-          </a:p>
-          <a:p>
-            <a:r>
-              <a:rPr lang="en-US" sz="1200" b="0" kern="1200" dirty="0">
-                <a:solidFill>
-                  <a:schemeClr val="tx1"/>
-                </a:solidFill>
-                <a:effectLst/>
-                <a:latin typeface="+mn-lt"/>
-                <a:ea typeface="+mn-ea"/>
-                <a:cs typeface="+mn-cs"/>
-              </a:rPr>
-              <a:t>    - Easier to enhance</a:t>
-            </a:r>
-          </a:p>
-          <a:p>
-            <a:r>
-              <a:rPr lang="en-US" sz="1200" b="0" kern="1200" dirty="0">
-                <a:solidFill>
-                  <a:schemeClr val="tx1"/>
-                </a:solidFill>
-                <a:effectLst/>
-                <a:latin typeface="+mn-lt"/>
-                <a:ea typeface="+mn-ea"/>
-                <a:cs typeface="+mn-cs"/>
-              </a:rPr>
-              <a:t>    - Easier to find further opportunities for further or broader refactoring</a:t>
-            </a:r>
-          </a:p>
-          <a:p>
-            <a:endParaRPr lang="en-US" sz="1200" b="0" kern="1200" dirty="0">
-              <a:solidFill>
-                <a:schemeClr val="tx1"/>
-              </a:solidFill>
-              <a:effectLst/>
-              <a:latin typeface="+mn-lt"/>
-              <a:ea typeface="+mn-ea"/>
-              <a:cs typeface="+mn-cs"/>
-            </a:endParaRPr>
-          </a:p>
-          <a:p>
-            <a:r>
-              <a:rPr lang="en-US" sz="1200" b="0" kern="1200" dirty="0">
-                <a:solidFill>
-                  <a:schemeClr val="tx1"/>
-                </a:solidFill>
-                <a:effectLst/>
-                <a:latin typeface="+mn-lt"/>
-                <a:ea typeface="+mn-ea"/>
-                <a:cs typeface="+mn-cs"/>
-              </a:rPr>
-              <a:t>  2. Find bugs</a:t>
-            </a:r>
-          </a:p>
-          <a:p>
-            <a:r>
-              <a:rPr lang="en-US" sz="1200" b="0" kern="1200" dirty="0">
-                <a:solidFill>
-                  <a:schemeClr val="tx1"/>
-                </a:solidFill>
-                <a:effectLst/>
-                <a:latin typeface="+mn-lt"/>
-                <a:ea typeface="+mn-ea"/>
-                <a:cs typeface="+mn-cs"/>
-              </a:rPr>
-              <a:t>  2. Make code testable</a:t>
-            </a:r>
+            <a:endParaRPr lang="en-US" dirty="0"/>
           </a:p>
         </p:txBody>
       </p:sp>
@@ -1051,7 +1168,7 @@
           <a:p>
             <a:fld id="{98E7458D-A4C5-47E1-AED0-92A55BE669C0}" type="slidenum">
               <a:rPr lang="en-US" smtClean="0"/>
-              <a:t>15</a:t>
+              <a:t>14</a:t>
             </a:fld>
             <a:endParaRPr lang="en-US"/>
           </a:p>
@@ -1060,7 +1177,7 @@
     </p:spTree>
     <p:extLst>
       <p:ext uri="{BB962C8B-B14F-4D97-AF65-F5344CB8AC3E}">
-        <p14:creationId xmlns:p14="http://schemas.microsoft.com/office/powerpoint/2010/main" val="2461306780"/>
+        <p14:creationId xmlns:p14="http://schemas.microsoft.com/office/powerpoint/2010/main" val="65429314"/>
       </p:ext>
     </p:extLst>
   </p:cSld>
@@ -1115,12 +1232,84 @@
           <a:lstStyle/>
           <a:p>
             <a:r>
-              <a:rPr lang="en-US" dirty="0"/>
-              <a:t>Don’t be eager to skip small and picky intermediate</a:t>
-            </a:r>
-          </a:p>
-          <a:p>
-            <a:endParaRPr lang="en-US" dirty="0"/>
+              <a:rPr lang="en-US" sz="1200" b="0" kern="1200" dirty="0">
+                <a:solidFill>
+                  <a:schemeClr val="tx1"/>
+                </a:solidFill>
+                <a:effectLst/>
+                <a:latin typeface="+mn-lt"/>
+                <a:ea typeface="+mn-ea"/>
+                <a:cs typeface="+mn-cs"/>
+              </a:rPr>
+              <a:t>    - Easier to read, harder to misread</a:t>
+            </a:r>
+          </a:p>
+          <a:p>
+            <a:r>
+              <a:rPr lang="en-US" sz="1200" b="0" kern="1200" dirty="0">
+                <a:solidFill>
+                  <a:schemeClr val="tx1"/>
+                </a:solidFill>
+                <a:effectLst/>
+                <a:latin typeface="+mn-lt"/>
+                <a:ea typeface="+mn-ea"/>
+                <a:cs typeface="+mn-cs"/>
+              </a:rPr>
+              <a:t>    - Easier to enhance</a:t>
+            </a:r>
+          </a:p>
+          <a:p>
+            <a:r>
+              <a:rPr lang="en-US" sz="1200" b="0" kern="1200" dirty="0">
+                <a:solidFill>
+                  <a:schemeClr val="tx1"/>
+                </a:solidFill>
+                <a:effectLst/>
+                <a:latin typeface="+mn-lt"/>
+                <a:ea typeface="+mn-ea"/>
+                <a:cs typeface="+mn-cs"/>
+              </a:rPr>
+              <a:t>    - Easier to find further opportunities for further or broader refactoring</a:t>
+            </a:r>
+          </a:p>
+          <a:p>
+            <a:endParaRPr lang="en-US" sz="1200" b="0" kern="1200" dirty="0">
+              <a:solidFill>
+                <a:schemeClr val="tx1"/>
+              </a:solidFill>
+              <a:effectLst/>
+              <a:latin typeface="+mn-lt"/>
+              <a:ea typeface="+mn-ea"/>
+              <a:cs typeface="+mn-cs"/>
+            </a:endParaRPr>
+          </a:p>
+          <a:p>
+            <a:r>
+              <a:rPr lang="en-US" sz="1200" b="0" kern="1200" dirty="0">
+                <a:solidFill>
+                  <a:schemeClr val="tx1"/>
+                </a:solidFill>
+                <a:effectLst/>
+                <a:latin typeface="+mn-lt"/>
+                <a:ea typeface="+mn-ea"/>
+                <a:cs typeface="+mn-cs"/>
+              </a:rPr>
+              <a:t>  2. Find bugs</a:t>
+            </a:r>
+          </a:p>
+          <a:p>
+            <a:r>
+              <a:rPr lang="en-US" sz="1200" b="0" kern="1200" dirty="0">
+                <a:solidFill>
+                  <a:schemeClr val="tx1"/>
+                </a:solidFill>
+                <a:effectLst/>
+                <a:latin typeface="+mn-lt"/>
+                <a:ea typeface="+mn-ea"/>
+                <a:cs typeface="+mn-cs"/>
+              </a:rPr>
+              <a:t>  2. Make code testable</a:t>
+            </a:r>
           </a:p>
         </p:txBody>
       </p:sp>
@@ -1141,7 +1330,7 @@
           <a:p>
             <a:fld id="{98E7458D-A4C5-47E1-AED0-92A55BE669C0}" type="slidenum">
               <a:rPr lang="en-US" smtClean="0"/>
-              <a:t>16</a:t>
+              <a:t>15</a:t>
             </a:fld>
             <a:endParaRPr lang="en-US"/>
           </a:p>
@@ -1150,7 +1339,7 @@
     </p:spTree>
     <p:extLst>
       <p:ext uri="{BB962C8B-B14F-4D97-AF65-F5344CB8AC3E}">
-        <p14:creationId xmlns:p14="http://schemas.microsoft.com/office/powerpoint/2010/main" val="2764884835"/>
+        <p14:creationId xmlns:p14="http://schemas.microsoft.com/office/powerpoint/2010/main" val="2461306780"/>
       </p:ext>
     </p:extLst>
   </p:cSld>
@@ -1206,8 +1395,11 @@
           <a:p>
             <a:r>
               <a:rPr lang="en-US" dirty="0"/>
-              <a:t>Refactoring is not something to explain and plan.  Refactoring</a:t>
-            </a:r>
+              <a:t>Don’t be eager to skip small and picky intermediate</a:t>
+            </a:r>
+          </a:p>
+          <a:p>
+            <a:endParaRPr lang="en-US" dirty="0"/>
           </a:p>
         </p:txBody>
       </p:sp>
@@ -1228,7 +1420,7 @@
           <a:p>
             <a:fld id="{98E7458D-A4C5-47E1-AED0-92A55BE669C0}" type="slidenum">
               <a:rPr lang="en-US" smtClean="0"/>
-              <a:t>17</a:t>
+              <a:t>16</a:t>
             </a:fld>
             <a:endParaRPr lang="en-US"/>
           </a:p>
@@ -1237,7 +1429,7 @@
     </p:spTree>
     <p:extLst>
       <p:ext uri="{BB962C8B-B14F-4D97-AF65-F5344CB8AC3E}">
-        <p14:creationId xmlns:p14="http://schemas.microsoft.com/office/powerpoint/2010/main" val="1831187360"/>
+        <p14:creationId xmlns:p14="http://schemas.microsoft.com/office/powerpoint/2010/main" val="2764884835"/>
       </p:ext>
     </p:extLst>
   </p:cSld>
@@ -1291,35 +1483,9 @@
           <a:bodyPr/>
           <a:lstStyle/>
           <a:p>
-            <a:endParaRPr lang="en-US" dirty="0"/>
-          </a:p>
-          <a:p>
-            <a:pPr marL="171450" indent="-171450">
-              <a:buFontTx/>
-              <a:buChar char="-"/>
-            </a:pPr>
             <a:r>
               <a:rPr lang="en-US" dirty="0"/>
-              <a:t>Do not plan with stakeholders; make it a part of the work</a:t>
-            </a:r>
-          </a:p>
-          <a:p>
-            <a:pPr marL="171450" indent="-171450">
-              <a:buFontTx/>
-              <a:buChar char="-"/>
-            </a:pPr>
-            <a:endParaRPr lang="en-US" dirty="0"/>
-          </a:p>
-          <a:p>
-            <a:endParaRPr lang="en-US" dirty="0"/>
-          </a:p>
-          <a:p>
-            <a:endParaRPr lang="en-US" dirty="0"/>
-          </a:p>
-          <a:p>
-            <a:r>
-              <a:rPr lang="en-US" dirty="0"/>
-              <a:t>Eagerly and relentlessly refactor new code—it will save you time, even right-away time.</a:t>
+              <a:t>Refactoring is not something to explain and plan.  Refactoring</a:t>
             </a:r>
           </a:p>
         </p:txBody>
@@ -1341,7 +1507,7 @@
           <a:p>
             <a:fld id="{98E7458D-A4C5-47E1-AED0-92A55BE669C0}" type="slidenum">
               <a:rPr lang="en-US" smtClean="0"/>
-              <a:t>18</a:t>
+              <a:t>17</a:t>
             </a:fld>
             <a:endParaRPr lang="en-US"/>
           </a:p>
@@ -1350,7 +1516,7 @@
     </p:spTree>
     <p:extLst>
       <p:ext uri="{BB962C8B-B14F-4D97-AF65-F5344CB8AC3E}">
-        <p14:creationId xmlns:p14="http://schemas.microsoft.com/office/powerpoint/2010/main" val="3617444813"/>
+        <p14:creationId xmlns:p14="http://schemas.microsoft.com/office/powerpoint/2010/main" val="1831187360"/>
       </p:ext>
     </p:extLst>
   </p:cSld>
@@ -1404,9 +1570,35 @@
           <a:bodyPr/>
           <a:lstStyle/>
           <a:p>
+            <a:endParaRPr lang="en-US" dirty="0"/>
+          </a:p>
+          <a:p>
+            <a:pPr marL="171450" indent="-171450">
+              <a:buFontTx/>
+              <a:buChar char="-"/>
+            </a:pPr>
             <a:r>
               <a:rPr lang="en-US" dirty="0"/>
-              <a:t>Tool-assisted refactoring is not about less typing</a:t>
+              <a:t>Do not plan with stakeholders; make it a part of the work</a:t>
+            </a:r>
+          </a:p>
+          <a:p>
+            <a:pPr marL="171450" indent="-171450">
+              <a:buFontTx/>
+              <a:buChar char="-"/>
+            </a:pPr>
+            <a:endParaRPr lang="en-US" dirty="0"/>
+          </a:p>
+          <a:p>
+            <a:endParaRPr lang="en-US" dirty="0"/>
+          </a:p>
+          <a:p>
+            <a:endParaRPr lang="en-US" dirty="0"/>
+          </a:p>
+          <a:p>
+            <a:r>
+              <a:rPr lang="en-US" dirty="0"/>
+              <a:t>Eagerly and relentlessly refactor new code—it will save you time, even right-away time.</a:t>
             </a:r>
           </a:p>
         </p:txBody>
@@ -1428,7 +1620,7 @@
           <a:p>
             <a:fld id="{98E7458D-A4C5-47E1-AED0-92A55BE669C0}" type="slidenum">
               <a:rPr lang="en-US" smtClean="0"/>
-              <a:t>20</a:t>
+              <a:t>18</a:t>
             </a:fld>
             <a:endParaRPr lang="en-US"/>
           </a:p>
@@ -1437,7 +1629,7 @@
     </p:spTree>
     <p:extLst>
       <p:ext uri="{BB962C8B-B14F-4D97-AF65-F5344CB8AC3E}">
-        <p14:creationId xmlns:p14="http://schemas.microsoft.com/office/powerpoint/2010/main" val="4244894287"/>
+        <p14:creationId xmlns:p14="http://schemas.microsoft.com/office/powerpoint/2010/main" val="3617444813"/>
       </p:ext>
     </p:extLst>
   </p:cSld>
@@ -1617,7 +1809,7 @@
           <a:p>
             <a:fld id="{48A87A34-81AB-432B-8DAE-1953F412C126}" type="datetimeFigureOut">
               <a:rPr lang="en-US" dirty="0"/>
-              <a:t>4/12/2020</a:t>
+              <a:t>4/25/2020</a:t>
             </a:fld>
             <a:endParaRPr lang="en-US" dirty="0"/>
           </a:p>
@@ -1879,7 +2071,7 @@
           <a:p>
             <a:fld id="{48A87A34-81AB-432B-8DAE-1953F412C126}" type="datetimeFigureOut">
               <a:rPr lang="en-US" dirty="0"/>
-              <a:t>4/12/2020</a:t>
+              <a:t>4/25/2020</a:t>
             </a:fld>
             <a:endParaRPr lang="en-US" dirty="0"/>
           </a:p>
@@ -2106,7 +2298,7 @@
             <a:fld id="{48A87A34-81AB-432B-8DAE-1953F412C126}" type="datetimeFigureOut">
               <a:rPr lang="en-US" dirty="0"/>
               <a:pPr/>
-              <a:t>4/12/2020</a:t>
+              <a:t>4/25/2020</a:t>
             </a:fld>
             <a:endParaRPr lang="en-US" dirty="0"/>
           </a:p>
@@ -2412,7 +2604,7 @@
             <a:fld id="{48A87A34-81AB-432B-8DAE-1953F412C126}" type="datetimeFigureOut">
               <a:rPr lang="en-US" dirty="0"/>
               <a:pPr/>
-              <a:t>4/12/2020</a:t>
+              <a:t>4/25/2020</a:t>
             </a:fld>
             <a:endParaRPr lang="en-US" dirty="0"/>
           </a:p>
@@ -2881,7 +3073,7 @@
             <a:fld id="{48A87A34-81AB-432B-8DAE-1953F412C126}" type="datetimeFigureOut">
               <a:rPr lang="en-US" dirty="0"/>
               <a:pPr/>
-              <a:t>4/12/2020</a:t>
+              <a:t>4/25/2020</a:t>
             </a:fld>
             <a:endParaRPr lang="en-US" dirty="0"/>
           </a:p>
@@ -3423,7 +3615,7 @@
           <a:p>
             <a:fld id="{48A87A34-81AB-432B-8DAE-1953F412C126}" type="datetimeFigureOut">
               <a:rPr lang="en-US" dirty="0"/>
-              <a:t>4/12/2020</a:t>
+              <a:t>4/25/2020</a:t>
             </a:fld>
             <a:endParaRPr lang="en-US" dirty="0"/>
           </a:p>
@@ -4192,7 +4384,7 @@
           <a:p>
             <a:fld id="{48A87A34-81AB-432B-8DAE-1953F412C126}" type="datetimeFigureOut">
               <a:rPr lang="en-US" dirty="0"/>
-              <a:t>4/12/2020</a:t>
+              <a:t>4/25/2020</a:t>
             </a:fld>
             <a:endParaRPr lang="en-US" dirty="0"/>
           </a:p>
@@ -4362,7 +4554,7 @@
           <a:p>
             <a:fld id="{48A87A34-81AB-432B-8DAE-1953F412C126}" type="datetimeFigureOut">
               <a:rPr lang="en-US" dirty="0"/>
-              <a:t>4/12/2020</a:t>
+              <a:t>4/25/2020</a:t>
             </a:fld>
             <a:endParaRPr lang="en-US" dirty="0"/>
           </a:p>
@@ -4581,7 +4773,7 @@
             <a:fld id="{48A87A34-81AB-432B-8DAE-1953F412C126}" type="datetimeFigureOut">
               <a:rPr lang="en-US" dirty="0"/>
               <a:pPr/>
-              <a:t>4/12/2020</a:t>
+              <a:t>4/25/2020</a:t>
             </a:fld>
             <a:endParaRPr lang="en-US" dirty="0"/>
           </a:p>
@@ -4756,7 +4948,7 @@
           <a:p>
             <a:fld id="{48A87A34-81AB-432B-8DAE-1953F412C126}" type="datetimeFigureOut">
               <a:rPr lang="en-US" dirty="0"/>
-              <a:t>4/12/2020</a:t>
+              <a:t>4/25/2020</a:t>
             </a:fld>
             <a:endParaRPr lang="en-US" dirty="0"/>
           </a:p>
@@ -5041,7 +5233,7 @@
             <a:fld id="{48A87A34-81AB-432B-8DAE-1953F412C126}" type="datetimeFigureOut">
               <a:rPr lang="en-US" dirty="0"/>
               <a:pPr/>
-              <a:t>4/12/2020</a:t>
+              <a:t>4/25/2020</a:t>
             </a:fld>
             <a:endParaRPr lang="en-US" dirty="0"/>
           </a:p>
@@ -5278,7 +5470,7 @@
           <a:p>
             <a:fld id="{48A87A34-81AB-432B-8DAE-1953F412C126}" type="datetimeFigureOut">
               <a:rPr lang="en-US" dirty="0"/>
-              <a:t>4/12/2020</a:t>
+              <a:t>4/25/2020</a:t>
             </a:fld>
             <a:endParaRPr lang="en-US" dirty="0"/>
           </a:p>
@@ -5652,7 +5844,7 @@
           <a:p>
             <a:fld id="{48A87A34-81AB-432B-8DAE-1953F412C126}" type="datetimeFigureOut">
               <a:rPr lang="en-US" dirty="0"/>
-              <a:t>4/12/2020</a:t>
+              <a:t>4/25/2020</a:t>
             </a:fld>
             <a:endParaRPr lang="en-US" dirty="0"/>
           </a:p>
@@ -5765,7 +5957,7 @@
           <a:p>
             <a:fld id="{48A87A34-81AB-432B-8DAE-1953F412C126}" type="datetimeFigureOut">
               <a:rPr lang="en-US" dirty="0"/>
-              <a:t>4/12/2020</a:t>
+              <a:t>4/25/2020</a:t>
             </a:fld>
             <a:endParaRPr lang="en-US" dirty="0"/>
           </a:p>
@@ -5855,7 +6047,7 @@
           <a:p>
             <a:fld id="{48A87A34-81AB-432B-8DAE-1953F412C126}" type="datetimeFigureOut">
               <a:rPr lang="en-US" dirty="0"/>
-              <a:t>4/12/2020</a:t>
+              <a:t>4/25/2020</a:t>
             </a:fld>
             <a:endParaRPr lang="en-US" dirty="0"/>
           </a:p>
@@ -6099,7 +6291,7 @@
           <a:p>
             <a:fld id="{48A87A34-81AB-432B-8DAE-1953F412C126}" type="datetimeFigureOut">
               <a:rPr lang="en-US" dirty="0"/>
-              <a:t>4/12/2020</a:t>
+              <a:t>4/25/2020</a:t>
             </a:fld>
             <a:endParaRPr lang="en-US" dirty="0"/>
           </a:p>
@@ -6351,7 +6543,7 @@
           <a:p>
             <a:fld id="{48A87A34-81AB-432B-8DAE-1953F412C126}" type="datetimeFigureOut">
               <a:rPr lang="en-US" dirty="0"/>
-              <a:t>4/12/2020</a:t>
+              <a:t>4/25/2020</a:t>
             </a:fld>
             <a:endParaRPr lang="en-US" dirty="0"/>
           </a:p>
@@ -6590,7 +6782,7 @@
             <a:fld id="{48A87A34-81AB-432B-8DAE-1953F412C126}" type="datetimeFigureOut">
               <a:rPr lang="en-US" dirty="0"/>
               <a:pPr/>
-              <a:t>4/12/2020</a:t>
+              <a:t>4/25/2020</a:t>
             </a:fld>
             <a:endParaRPr lang="en-US" dirty="0"/>
           </a:p>
@@ -7577,7 +7769,7 @@
             <a:pPr algn="r"/>
             <a:r>
               <a:rPr lang="en-US" sz="2400" dirty="0"/>
-              <a:t>but also could be performance or resource</a:t>
+              <a:t>but also could be performance or resources</a:t>
             </a:r>
           </a:p>
         </p:txBody>
@@ -7597,15 +7789,15 @@
           <p:nvPr/>
         </p:nvPicPr>
         <p:blipFill>
-          <a:blip r:embed="rId2"/>
+          <a:blip r:embed="rId3"/>
           <a:stretch>
             <a:fillRect/>
           </a:stretch>
         </p:blipFill>
         <p:spPr>
           <a:xfrm>
-            <a:off x="238293" y="3458751"/>
-            <a:ext cx="5055602" cy="3159752"/>
+            <a:off x="127934" y="3272105"/>
+            <a:ext cx="5557667" cy="3473543"/>
           </a:xfrm>
           <a:prstGeom prst="rect">
             <a:avLst/>
@@ -7698,8 +7890,8 @@
         </p:nvSpPr>
         <p:spPr>
           <a:xfrm>
-            <a:off x="6286065" y="3906053"/>
-            <a:ext cx="4729180" cy="1815882"/>
+            <a:off x="1150883" y="3906053"/>
+            <a:ext cx="9864362" cy="1815882"/>
           </a:xfrm>
           <a:prstGeom prst="rect">
             <a:avLst/>
@@ -7707,26 +7899,26 @@
           <a:noFill/>
         </p:spPr>
         <p:txBody>
-          <a:bodyPr wrap="none" rtlCol="0">
+          <a:bodyPr wrap="square" rtlCol="0">
             <a:spAutoFit/>
           </a:bodyPr>
           <a:lstStyle/>
           <a:p>
-            <a:pPr algn="r"/>
+            <a:pPr algn="ctr"/>
             <a:r>
               <a:rPr lang="en-US" sz="2800" dirty="0"/>
               <a:t>The best code to refactor </a:t>
             </a:r>
           </a:p>
           <a:p>
-            <a:pPr algn="r"/>
+            <a:pPr algn="ctr"/>
             <a:r>
               <a:rPr lang="en-US" sz="2800" dirty="0"/>
               <a:t>is the code you’re </a:t>
             </a:r>
           </a:p>
           <a:p>
-            <a:pPr algn="r"/>
+            <a:pPr algn="ctr"/>
             <a:r>
               <a:rPr lang="en-US" sz="2800" dirty="0"/>
               <a:t>most likely to work with</a:t>
@@ -8463,6 +8655,146 @@
       </p:grpSpPr>
       <p:sp>
         <p:nvSpPr>
+          <p:cNvPr id="3" name="Content Placeholder 2">
+            <a:extLst>
+              <a:ext uri="{FF2B5EF4-FFF2-40B4-BE49-F238E27FC236}">
+                <a16:creationId xmlns:a16="http://schemas.microsoft.com/office/drawing/2014/main" id="{65893732-EC10-4EEF-865D-D8F5732DE1BB}"/>
+              </a:ext>
+            </a:extLst>
+          </p:cNvPr>
+          <p:cNvSpPr>
+            <a:spLocks noGrp="1"/>
+          </p:cNvSpPr>
+          <p:nvPr>
+            <p:ph idx="1"/>
+          </p:nvPr>
+        </p:nvSpPr>
+        <p:spPr/>
+        <p:txBody>
+          <a:bodyPr/>
+          <a:lstStyle/>
+          <a:p>
+            <a:pPr marL="0" indent="0">
+              <a:buNone/>
+            </a:pPr>
+            <a:r>
+              <a:rPr lang="en-US" sz="3200" dirty="0"/>
+              <a:t>The most important refactoring: </a:t>
+            </a:r>
+            <a:br>
+              <a:rPr lang="en-US" sz="3200" dirty="0"/>
+            </a:br>
+            <a:r>
+              <a:rPr lang="en-US" sz="3200" dirty="0"/>
+              <a:t>	RENAME (</a:t>
+            </a:r>
+            <a:r>
+              <a:rPr lang="en-US" sz="3200" dirty="0" err="1"/>
+              <a:t>Ctrl+R</a:t>
+            </a:r>
+            <a:r>
+              <a:rPr lang="en-US" sz="3200" dirty="0"/>
+              <a:t> </a:t>
+            </a:r>
+            <a:r>
+              <a:rPr lang="en-US" sz="3200" dirty="0" err="1"/>
+              <a:t>Ctrl+R</a:t>
+            </a:r>
+            <a:r>
+              <a:rPr lang="en-US" sz="3200" dirty="0"/>
+              <a:t>)</a:t>
+            </a:r>
+            <a:endParaRPr lang="en-US" dirty="0"/>
+          </a:p>
+        </p:txBody>
+      </p:sp>
+      <p:sp>
+        <p:nvSpPr>
+          <p:cNvPr id="5" name="Title 4">
+            <a:extLst>
+              <a:ext uri="{FF2B5EF4-FFF2-40B4-BE49-F238E27FC236}">
+                <a16:creationId xmlns:a16="http://schemas.microsoft.com/office/drawing/2014/main" id="{0CE89EB8-9C8B-4DB6-ADBB-36D13AD4F54E}"/>
+              </a:ext>
+            </a:extLst>
+          </p:cNvPr>
+          <p:cNvSpPr>
+            <a:spLocks noGrp="1"/>
+          </p:cNvSpPr>
+          <p:nvPr>
+            <p:ph type="title"/>
+          </p:nvPr>
+        </p:nvSpPr>
+        <p:spPr/>
+        <p:txBody>
+          <a:bodyPr/>
+          <a:lstStyle/>
+          <a:p>
+            <a:endParaRPr lang="en-US"/>
+          </a:p>
+        </p:txBody>
+      </p:sp>
+      <p:pic>
+        <p:nvPicPr>
+          <p:cNvPr id="6" name="Picture 5">
+            <a:extLst>
+              <a:ext uri="{FF2B5EF4-FFF2-40B4-BE49-F238E27FC236}">
+                <a16:creationId xmlns:a16="http://schemas.microsoft.com/office/drawing/2014/main" id="{AFB0A47C-FDC7-4792-92E9-47C6BAF152E4}"/>
+              </a:ext>
+            </a:extLst>
+          </p:cNvPr>
+          <p:cNvPicPr>
+            <a:picLocks noChangeAspect="1"/>
+          </p:cNvPicPr>
+          <p:nvPr/>
+        </p:nvPicPr>
+        <p:blipFill>
+          <a:blip r:embed="rId2"/>
+          <a:stretch>
+            <a:fillRect/>
+          </a:stretch>
+        </p:blipFill>
+        <p:spPr>
+          <a:xfrm>
+            <a:off x="4593020" y="3577355"/>
+            <a:ext cx="7598980" cy="3280645"/>
+          </a:xfrm>
+          <a:prstGeom prst="rect">
+            <a:avLst/>
+          </a:prstGeom>
+        </p:spPr>
+      </p:pic>
+    </p:spTree>
+    <p:extLst>
+      <p:ext uri="{BB962C8B-B14F-4D97-AF65-F5344CB8AC3E}">
+        <p14:creationId xmlns:p14="http://schemas.microsoft.com/office/powerpoint/2010/main" val="163689735"/>
+      </p:ext>
+    </p:extLst>
+  </p:cSld>
+  <p:clrMapOvr>
+    <a:masterClrMapping/>
+  </p:clrMapOvr>
+</p:sld>
+</file>
+
+<file path=ppt/slides/slide21.xml><?xml version="1.0" encoding="utf-8"?>
+<p:sld xmlns:a="http://schemas.openxmlformats.org/drawingml/2006/main" xmlns:r="http://schemas.openxmlformats.org/officeDocument/2006/relationships" xmlns:p="http://schemas.openxmlformats.org/presentationml/2006/main">
+  <p:cSld>
+    <p:spTree>
+      <p:nvGrpSpPr>
+        <p:cNvPr id="1" name=""/>
+        <p:cNvGrpSpPr/>
+        <p:nvPr/>
+      </p:nvGrpSpPr>
+      <p:grpSpPr>
+        <a:xfrm>
+          <a:off x="0" y="0"/>
+          <a:ext cx="0" cy="0"/>
+          <a:chOff x="0" y="0"/>
+          <a:chExt cx="0" cy="0"/>
+        </a:xfrm>
+      </p:grpSpPr>
+      <p:sp>
+        <p:nvSpPr>
           <p:cNvPr id="2" name="Title 1">
             <a:extLst>
               <a:ext uri="{FF2B5EF4-FFF2-40B4-BE49-F238E27FC236}">
@@ -8563,7 +8895,7 @@
 </p:sld>
 </file>
 
-<file path=ppt/slides/slide21.xml><?xml version="1.0" encoding="utf-8"?>
+<file path=ppt/slides/slide22.xml><?xml version="1.0" encoding="utf-8"?>
 <p:sld xmlns:a="http://schemas.openxmlformats.org/drawingml/2006/main" xmlns:r="http://schemas.openxmlformats.org/officeDocument/2006/relationships" xmlns:p="http://schemas.openxmlformats.org/presentationml/2006/main">
   <p:cSld>
     <p:spTree>
@@ -9041,7 +9373,7 @@
 </p:sld>
 </file>
 
-<file path=ppt/slides/slide22.xml><?xml version="1.0" encoding="utf-8"?>
+<file path=ppt/slides/slide23.xml><?xml version="1.0" encoding="utf-8"?>
 <p:sld xmlns:a="http://schemas.openxmlformats.org/drawingml/2006/main" xmlns:r="http://schemas.openxmlformats.org/officeDocument/2006/relationships" xmlns:p="http://schemas.openxmlformats.org/presentationml/2006/main">
   <p:cSld>
     <p:spTree>

--- a/psz/PracticalRefactoring.pptx
+++ b/psz/PracticalRefactoring.pptx
@@ -222,7 +222,7 @@
           <a:p>
             <a:fld id="{B0A5C299-FE50-42DD-A2AC-4285A1871B59}" type="datetimeFigureOut">
               <a:rPr lang="en-US" smtClean="0"/>
-              <a:t>4/25/2020</a:t>
+              <a:t>5/4/2020</a:t>
             </a:fld>
             <a:endParaRPr lang="en-US"/>
           </a:p>
@@ -1809,7 +1809,7 @@
           <a:p>
             <a:fld id="{48A87A34-81AB-432B-8DAE-1953F412C126}" type="datetimeFigureOut">
               <a:rPr lang="en-US" dirty="0"/>
-              <a:t>4/25/2020</a:t>
+              <a:t>5/4/2020</a:t>
             </a:fld>
             <a:endParaRPr lang="en-US" dirty="0"/>
           </a:p>
@@ -2071,7 +2071,7 @@
           <a:p>
             <a:fld id="{48A87A34-81AB-432B-8DAE-1953F412C126}" type="datetimeFigureOut">
               <a:rPr lang="en-US" dirty="0"/>
-              <a:t>4/25/2020</a:t>
+              <a:t>5/4/2020</a:t>
             </a:fld>
             <a:endParaRPr lang="en-US" dirty="0"/>
           </a:p>
@@ -2298,7 +2298,7 @@
             <a:fld id="{48A87A34-81AB-432B-8DAE-1953F412C126}" type="datetimeFigureOut">
               <a:rPr lang="en-US" dirty="0"/>
               <a:pPr/>
-              <a:t>4/25/2020</a:t>
+              <a:t>5/4/2020</a:t>
             </a:fld>
             <a:endParaRPr lang="en-US" dirty="0"/>
           </a:p>
@@ -2604,7 +2604,7 @@
             <a:fld id="{48A87A34-81AB-432B-8DAE-1953F412C126}" type="datetimeFigureOut">
               <a:rPr lang="en-US" dirty="0"/>
               <a:pPr/>
-              <a:t>4/25/2020</a:t>
+              <a:t>5/4/2020</a:t>
             </a:fld>
             <a:endParaRPr lang="en-US" dirty="0"/>
           </a:p>
@@ -3073,7 +3073,7 @@
             <a:fld id="{48A87A34-81AB-432B-8DAE-1953F412C126}" type="datetimeFigureOut">
               <a:rPr lang="en-US" dirty="0"/>
               <a:pPr/>
-              <a:t>4/25/2020</a:t>
+              <a:t>5/4/2020</a:t>
             </a:fld>
             <a:endParaRPr lang="en-US" dirty="0"/>
           </a:p>
@@ -3615,7 +3615,7 @@
           <a:p>
             <a:fld id="{48A87A34-81AB-432B-8DAE-1953F412C126}" type="datetimeFigureOut">
               <a:rPr lang="en-US" dirty="0"/>
-              <a:t>4/25/2020</a:t>
+              <a:t>5/4/2020</a:t>
             </a:fld>
             <a:endParaRPr lang="en-US" dirty="0"/>
           </a:p>
@@ -4384,7 +4384,7 @@
           <a:p>
             <a:fld id="{48A87A34-81AB-432B-8DAE-1953F412C126}" type="datetimeFigureOut">
               <a:rPr lang="en-US" dirty="0"/>
-              <a:t>4/25/2020</a:t>
+              <a:t>5/4/2020</a:t>
             </a:fld>
             <a:endParaRPr lang="en-US" dirty="0"/>
           </a:p>
@@ -4554,7 +4554,7 @@
           <a:p>
             <a:fld id="{48A87A34-81AB-432B-8DAE-1953F412C126}" type="datetimeFigureOut">
               <a:rPr lang="en-US" dirty="0"/>
-              <a:t>4/25/2020</a:t>
+              <a:t>5/4/2020</a:t>
             </a:fld>
             <a:endParaRPr lang="en-US" dirty="0"/>
           </a:p>
@@ -4773,7 +4773,7 @@
             <a:fld id="{48A87A34-81AB-432B-8DAE-1953F412C126}" type="datetimeFigureOut">
               <a:rPr lang="en-US" dirty="0"/>
               <a:pPr/>
-              <a:t>4/25/2020</a:t>
+              <a:t>5/4/2020</a:t>
             </a:fld>
             <a:endParaRPr lang="en-US" dirty="0"/>
           </a:p>
@@ -4948,7 +4948,7 @@
           <a:p>
             <a:fld id="{48A87A34-81AB-432B-8DAE-1953F412C126}" type="datetimeFigureOut">
               <a:rPr lang="en-US" dirty="0"/>
-              <a:t>4/25/2020</a:t>
+              <a:t>5/4/2020</a:t>
             </a:fld>
             <a:endParaRPr lang="en-US" dirty="0"/>
           </a:p>
@@ -5233,7 +5233,7 @@
             <a:fld id="{48A87A34-81AB-432B-8DAE-1953F412C126}" type="datetimeFigureOut">
               <a:rPr lang="en-US" dirty="0"/>
               <a:pPr/>
-              <a:t>4/25/2020</a:t>
+              <a:t>5/4/2020</a:t>
             </a:fld>
             <a:endParaRPr lang="en-US" dirty="0"/>
           </a:p>
@@ -5470,7 +5470,7 @@
           <a:p>
             <a:fld id="{48A87A34-81AB-432B-8DAE-1953F412C126}" type="datetimeFigureOut">
               <a:rPr lang="en-US" dirty="0"/>
-              <a:t>4/25/2020</a:t>
+              <a:t>5/4/2020</a:t>
             </a:fld>
             <a:endParaRPr lang="en-US" dirty="0"/>
           </a:p>
@@ -5844,7 +5844,7 @@
           <a:p>
             <a:fld id="{48A87A34-81AB-432B-8DAE-1953F412C126}" type="datetimeFigureOut">
               <a:rPr lang="en-US" dirty="0"/>
-              <a:t>4/25/2020</a:t>
+              <a:t>5/4/2020</a:t>
             </a:fld>
             <a:endParaRPr lang="en-US" dirty="0"/>
           </a:p>
@@ -5957,7 +5957,7 @@
           <a:p>
             <a:fld id="{48A87A34-81AB-432B-8DAE-1953F412C126}" type="datetimeFigureOut">
               <a:rPr lang="en-US" dirty="0"/>
-              <a:t>4/25/2020</a:t>
+              <a:t>5/4/2020</a:t>
             </a:fld>
             <a:endParaRPr lang="en-US" dirty="0"/>
           </a:p>
@@ -6047,7 +6047,7 @@
           <a:p>
             <a:fld id="{48A87A34-81AB-432B-8DAE-1953F412C126}" type="datetimeFigureOut">
               <a:rPr lang="en-US" dirty="0"/>
-              <a:t>4/25/2020</a:t>
+              <a:t>5/4/2020</a:t>
             </a:fld>
             <a:endParaRPr lang="en-US" dirty="0"/>
           </a:p>
@@ -6291,7 +6291,7 @@
           <a:p>
             <a:fld id="{48A87A34-81AB-432B-8DAE-1953F412C126}" type="datetimeFigureOut">
               <a:rPr lang="en-US" dirty="0"/>
-              <a:t>4/25/2020</a:t>
+              <a:t>5/4/2020</a:t>
             </a:fld>
             <a:endParaRPr lang="en-US" dirty="0"/>
           </a:p>
@@ -6543,7 +6543,7 @@
           <a:p>
             <a:fld id="{48A87A34-81AB-432B-8DAE-1953F412C126}" type="datetimeFigureOut">
               <a:rPr lang="en-US" dirty="0"/>
-              <a:t>4/25/2020</a:t>
+              <a:t>5/4/2020</a:t>
             </a:fld>
             <a:endParaRPr lang="en-US" dirty="0"/>
           </a:p>
@@ -6782,7 +6782,7 @@
             <a:fld id="{48A87A34-81AB-432B-8DAE-1953F412C126}" type="datetimeFigureOut">
               <a:rPr lang="en-US" dirty="0"/>
               <a:pPr/>
-              <a:t>4/25/2020</a:t>
+              <a:t>5/4/2020</a:t>
             </a:fld>
             <a:endParaRPr lang="en-US" dirty="0"/>
           </a:p>
@@ -9390,6 +9390,36 @@
           <a:chExt cx="0" cy="0"/>
         </a:xfrm>
       </p:grpSpPr>
+      <p:pic>
+        <p:nvPicPr>
+          <p:cNvPr id="8" name="Picture 7" descr="A picture containing sitting, monitor, computer, black&#10;&#10;Description automatically generated">
+            <a:extLst>
+              <a:ext uri="{FF2B5EF4-FFF2-40B4-BE49-F238E27FC236}">
+                <a16:creationId xmlns:a16="http://schemas.microsoft.com/office/drawing/2014/main" id="{3E4855B7-95F9-4C60-8F6B-F86F1AABF938}"/>
+              </a:ext>
+            </a:extLst>
+          </p:cNvPr>
+          <p:cNvPicPr>
+            <a:picLocks noChangeAspect="1"/>
+          </p:cNvPicPr>
+          <p:nvPr/>
+        </p:nvPicPr>
+        <p:blipFill>
+          <a:blip r:embed="rId3"/>
+          <a:stretch>
+            <a:fillRect/>
+          </a:stretch>
+        </p:blipFill>
+        <p:spPr>
+          <a:xfrm>
+            <a:off x="7528662" y="2967365"/>
+            <a:ext cx="2285898" cy="3033211"/>
+          </a:xfrm>
+          <a:prstGeom prst="rect">
+            <a:avLst/>
+          </a:prstGeom>
+        </p:spPr>
+      </p:pic>
       <p:sp>
         <p:nvSpPr>
           <p:cNvPr id="2" name="Title 1">
@@ -9665,8 +9695,8 @@
         </p:nvSpPr>
         <p:spPr>
           <a:xfrm>
-            <a:off x="685800" y="2791804"/>
-            <a:ext cx="10820400" cy="2789685"/>
+            <a:off x="472440" y="1876162"/>
+            <a:ext cx="10820400" cy="3588195"/>
           </a:xfrm>
           <a:prstGeom prst="rect">
             <a:avLst/>
@@ -9841,7 +9871,7 @@
             </a:lvl9pPr>
           </a:lstStyle>
           <a:p>
-            <a:pPr marL="0" indent="0" algn="ctr">
+            <a:pPr marL="0" indent="0">
               <a:buFont typeface="Arial" panose="020B0604020202020204" pitchFamily="34" charset="0"/>
               <a:buNone/>
             </a:pPr>
@@ -9855,20 +9885,11 @@
             </a:r>
             <a:r>
               <a:rPr lang="en-US" sz="2800" dirty="0"/>
-              <a:t>, and more links are posted on Szalapski.com: the direct link is…</a:t>
-            </a:r>
-          </a:p>
-          <a:p>
-            <a:pPr marL="0" indent="0" algn="ctr">
-              <a:buFont typeface="Arial" panose="020B0604020202020204" pitchFamily="34" charset="0"/>
-              <a:buNone/>
-            </a:pPr>
-            <a:endParaRPr lang="en-US" sz="3200" i="1" dirty="0">
-              <a:latin typeface="Consolas" panose="020B0609020204030204" pitchFamily="49" charset="0"/>
-            </a:endParaRPr>
-          </a:p>
-          <a:p>
-            <a:pPr marL="0" indent="0" algn="ctr">
+              <a:t>, and more links are posted on Szalapski.com: the direct link is</a:t>
+            </a:r>
+          </a:p>
+          <a:p>
+            <a:pPr marL="0" indent="0">
               <a:buNone/>
             </a:pPr>
             <a:r>
@@ -9885,7 +9906,28 @@
             </a:r>
           </a:p>
           <a:p>
-            <a:pPr marL="0" indent="0" algn="ctr">
+            <a:pPr marL="0" indent="0">
+              <a:buNone/>
+            </a:pPr>
+            <a:endParaRPr lang="en-US" sz="2800" dirty="0"/>
+          </a:p>
+          <a:p>
+            <a:pPr marL="0" indent="0">
+              <a:buNone/>
+            </a:pPr>
+            <a:endParaRPr lang="en-US" sz="2400" dirty="0"/>
+          </a:p>
+          <a:p>
+            <a:pPr marL="0" indent="0">
+              <a:buNone/>
+            </a:pPr>
+            <a:r>
+              <a:rPr lang="en-US" sz="2400" dirty="0"/>
+              <a:t>See also books by Feathers and Martin</a:t>
+            </a:r>
+          </a:p>
+          <a:p>
+            <a:pPr marL="0" indent="0">
               <a:buFont typeface="Arial" panose="020B0604020202020204" pitchFamily="34" charset="0"/>
               <a:buNone/>
             </a:pPr>
@@ -9893,6 +9935,36 @@
           </a:p>
         </p:txBody>
       </p:sp>
+      <p:pic>
+        <p:nvPicPr>
+          <p:cNvPr id="6" name="Picture 5" descr="A close up of a sign&#10;&#10;Description automatically generated">
+            <a:extLst>
+              <a:ext uri="{FF2B5EF4-FFF2-40B4-BE49-F238E27FC236}">
+                <a16:creationId xmlns:a16="http://schemas.microsoft.com/office/drawing/2014/main" id="{2F367D1C-073F-4410-A753-DF9AA067D589}"/>
+              </a:ext>
+            </a:extLst>
+          </p:cNvPr>
+          <p:cNvPicPr>
+            <a:picLocks noChangeAspect="1"/>
+          </p:cNvPicPr>
+          <p:nvPr/>
+        </p:nvPicPr>
+        <p:blipFill>
+          <a:blip r:embed="rId4"/>
+          <a:stretch>
+            <a:fillRect/>
+          </a:stretch>
+        </p:blipFill>
+        <p:spPr>
+          <a:xfrm>
+            <a:off x="9595164" y="3627849"/>
+            <a:ext cx="2227471" cy="2948297"/>
+          </a:xfrm>
+          <a:prstGeom prst="rect">
+            <a:avLst/>
+          </a:prstGeom>
+        </p:spPr>
+      </p:pic>
     </p:spTree>
     <p:extLst>
       <p:ext uri="{BB962C8B-B14F-4D97-AF65-F5344CB8AC3E}">

--- a/psz/PracticalRefactoring.pptx
+++ b/psz/PracticalRefactoring.pptx
@@ -7651,6 +7651,111 @@
           </a:p>
         </p:txBody>
       </p:sp>
+      <p:sp>
+        <p:nvSpPr>
+          <p:cNvPr id="4" name="Star: 10 Points 3">
+            <a:extLst>
+              <a:ext uri="{FF2B5EF4-FFF2-40B4-BE49-F238E27FC236}">
+                <a16:creationId xmlns:a16="http://schemas.microsoft.com/office/drawing/2014/main" id="{C17CE695-B7C3-436A-BE33-A740A7DC7387}"/>
+              </a:ext>
+            </a:extLst>
+          </p:cNvPr>
+          <p:cNvSpPr/>
+          <p:nvPr/>
+        </p:nvSpPr>
+        <p:spPr>
+          <a:xfrm>
+            <a:off x="9360568" y="4596063"/>
+            <a:ext cx="2610853" cy="1825096"/>
+          </a:xfrm>
+          <a:prstGeom prst="star10">
+            <a:avLst/>
+          </a:prstGeom>
+          <a:solidFill>
+            <a:srgbClr val="FFC000"/>
+          </a:solidFill>
+          <a:ln>
+            <a:solidFill>
+              <a:srgbClr val="FFC000"/>
+            </a:solidFill>
+          </a:ln>
+        </p:spPr>
+        <p:style>
+          <a:lnRef idx="2">
+            <a:schemeClr val="accent1">
+              <a:shade val="50000"/>
+            </a:schemeClr>
+          </a:lnRef>
+          <a:fillRef idx="1">
+            <a:schemeClr val="accent1"/>
+          </a:fillRef>
+          <a:effectRef idx="0">
+            <a:schemeClr val="accent1"/>
+          </a:effectRef>
+          <a:fontRef idx="minor">
+            <a:schemeClr val="lt1"/>
+          </a:fontRef>
+        </p:style>
+        <p:txBody>
+          <a:bodyPr rtlCol="0" anchor="ctr"/>
+          <a:lstStyle/>
+          <a:p>
+            <a:pPr algn="ctr"/>
+            <a:r>
+              <a:rPr lang="en-US" i="1" dirty="0">
+                <a:solidFill>
+                  <a:schemeClr val="bg1"/>
+                </a:solidFill>
+              </a:rPr>
+              <a:t>Fill out the Survey please</a:t>
+            </a:r>
+          </a:p>
+        </p:txBody>
+      </p:sp>
+      <p:cxnSp>
+        <p:nvCxnSpPr>
+          <p:cNvPr id="6" name="Straight Arrow Connector 5">
+            <a:extLst>
+              <a:ext uri="{FF2B5EF4-FFF2-40B4-BE49-F238E27FC236}">
+                <a16:creationId xmlns:a16="http://schemas.microsoft.com/office/drawing/2014/main" id="{547B9E4C-131E-4620-B454-5A7B4E21C4F7}"/>
+              </a:ext>
+            </a:extLst>
+          </p:cNvPr>
+          <p:cNvCxnSpPr>
+            <a:cxnSpLocks/>
+          </p:cNvCxnSpPr>
+          <p:nvPr/>
+        </p:nvCxnSpPr>
+        <p:spPr>
+          <a:xfrm>
+            <a:off x="11475720" y="6098570"/>
+            <a:ext cx="716280" cy="759430"/>
+          </a:xfrm>
+          <a:prstGeom prst="straightConnector1">
+            <a:avLst/>
+          </a:prstGeom>
+          <a:ln w="76200">
+            <a:solidFill>
+              <a:srgbClr val="FFC000"/>
+            </a:solidFill>
+            <a:tailEnd type="triangle"/>
+          </a:ln>
+        </p:spPr>
+        <p:style>
+          <a:lnRef idx="3">
+            <a:schemeClr val="accent1"/>
+          </a:lnRef>
+          <a:fillRef idx="0">
+            <a:schemeClr val="accent1"/>
+          </a:fillRef>
+          <a:effectRef idx="2">
+            <a:schemeClr val="accent1"/>
+          </a:effectRef>
+          <a:fontRef idx="minor">
+            <a:schemeClr val="tx1"/>
+          </a:fontRef>
+        </p:style>
+      </p:cxnSp>
     </p:spTree>
     <p:extLst>
       <p:ext uri="{BB962C8B-B14F-4D97-AF65-F5344CB8AC3E}">
@@ -9957,7 +10062,7 @@
         </p:blipFill>
         <p:spPr>
           <a:xfrm>
-            <a:off x="9595164" y="3627849"/>
+            <a:off x="9492089" y="2399019"/>
             <a:ext cx="2227471" cy="2948297"/>
           </a:xfrm>
           <a:prstGeom prst="rect">
@@ -9965,6 +10070,111 @@
           </a:prstGeom>
         </p:spPr>
       </p:pic>
+      <p:sp>
+        <p:nvSpPr>
+          <p:cNvPr id="9" name="Star: 10 Points 8">
+            <a:extLst>
+              <a:ext uri="{FF2B5EF4-FFF2-40B4-BE49-F238E27FC236}">
+                <a16:creationId xmlns:a16="http://schemas.microsoft.com/office/drawing/2014/main" id="{85D84332-80A9-4B98-A309-174C6FF4FD90}"/>
+              </a:ext>
+            </a:extLst>
+          </p:cNvPr>
+          <p:cNvSpPr/>
+          <p:nvPr/>
+        </p:nvSpPr>
+        <p:spPr>
+          <a:xfrm>
+            <a:off x="9360568" y="5181599"/>
+            <a:ext cx="2610853" cy="1239559"/>
+          </a:xfrm>
+          <a:prstGeom prst="star10">
+            <a:avLst/>
+          </a:prstGeom>
+          <a:solidFill>
+            <a:srgbClr val="FFC000"/>
+          </a:solidFill>
+          <a:ln>
+            <a:solidFill>
+              <a:srgbClr val="FFC000"/>
+            </a:solidFill>
+          </a:ln>
+        </p:spPr>
+        <p:style>
+          <a:lnRef idx="2">
+            <a:schemeClr val="accent1">
+              <a:shade val="50000"/>
+            </a:schemeClr>
+          </a:lnRef>
+          <a:fillRef idx="1">
+            <a:schemeClr val="accent1"/>
+          </a:fillRef>
+          <a:effectRef idx="0">
+            <a:schemeClr val="accent1"/>
+          </a:effectRef>
+          <a:fontRef idx="minor">
+            <a:schemeClr val="lt1"/>
+          </a:fontRef>
+        </p:style>
+        <p:txBody>
+          <a:bodyPr rtlCol="0" anchor="ctr"/>
+          <a:lstStyle/>
+          <a:p>
+            <a:pPr algn="ctr"/>
+            <a:r>
+              <a:rPr lang="en-US" i="1" dirty="0">
+                <a:solidFill>
+                  <a:schemeClr val="bg1"/>
+                </a:solidFill>
+              </a:rPr>
+              <a:t>Fill out the Survey please</a:t>
+            </a:r>
+          </a:p>
+        </p:txBody>
+      </p:sp>
+      <p:cxnSp>
+        <p:nvCxnSpPr>
+          <p:cNvPr id="10" name="Straight Arrow Connector 9">
+            <a:extLst>
+              <a:ext uri="{FF2B5EF4-FFF2-40B4-BE49-F238E27FC236}">
+                <a16:creationId xmlns:a16="http://schemas.microsoft.com/office/drawing/2014/main" id="{51AF9305-FC13-4DBB-A67B-D1145C05B982}"/>
+              </a:ext>
+            </a:extLst>
+          </p:cNvPr>
+          <p:cNvCxnSpPr>
+            <a:cxnSpLocks/>
+          </p:cNvCxnSpPr>
+          <p:nvPr/>
+        </p:nvCxnSpPr>
+        <p:spPr>
+          <a:xfrm>
+            <a:off x="11475720" y="6098570"/>
+            <a:ext cx="716280" cy="759430"/>
+          </a:xfrm>
+          <a:prstGeom prst="straightConnector1">
+            <a:avLst/>
+          </a:prstGeom>
+          <a:ln w="76200">
+            <a:solidFill>
+              <a:srgbClr val="FFC000"/>
+            </a:solidFill>
+            <a:tailEnd type="triangle"/>
+          </a:ln>
+        </p:spPr>
+        <p:style>
+          <a:lnRef idx="3">
+            <a:schemeClr val="accent1"/>
+          </a:lnRef>
+          <a:fillRef idx="0">
+            <a:schemeClr val="accent1"/>
+          </a:fillRef>
+          <a:effectRef idx="2">
+            <a:schemeClr val="accent1"/>
+          </a:effectRef>
+          <a:fontRef idx="minor">
+            <a:schemeClr val="tx1"/>
+          </a:fontRef>
+        </p:style>
+      </p:cxnSp>
     </p:spTree>
     <p:extLst>
       <p:ext uri="{BB962C8B-B14F-4D97-AF65-F5344CB8AC3E}">
